--- a/assets/New Microsoft PowerPoint Presentation.pptx
+++ b/assets/New Microsoft PowerPoint Presentation.pptx
@@ -10,6 +10,8 @@
     <p:sldId id="258" r:id="rId4"/>
     <p:sldId id="259" r:id="rId5"/>
     <p:sldId id="260" r:id="rId6"/>
+    <p:sldId id="262" r:id="rId7"/>
+    <p:sldId id="263" r:id="rId8"/>
   </p:sldIdLst>
   <p:sldSz cx="12192000" cy="6858000"/>
   <p:notesSz cx="6858000" cy="9144000"/>
@@ -108,6 +110,11 @@
       </a:defRPr>
     </a:lvl9pPr>
   </p:defaultTextStyle>
+  <p:extLst>
+    <p:ext uri="{EFAFB233-063F-42B5-8137-9DF3F51BA10A}">
+      <p15:sldGuideLst xmlns:p15="http://schemas.microsoft.com/office/powerpoint/2012/main"/>
+    </p:ext>
+  </p:extLst>
 </p:presentation>
 </file>
 
@@ -260,7 +267,7 @@
           <a:p>
             <a:fld id="{BF9BD7CD-A5EC-4A91-9414-95B5E69FAE09}" type="datetimeFigureOut">
               <a:rPr lang="en-001" smtClean="0"/>
-              <a:t>11/03/2022</a:t>
+              <a:t>19/03/2022</a:t>
             </a:fld>
             <a:endParaRPr lang="en-001"/>
           </a:p>
@@ -460,7 +467,7 @@
           <a:p>
             <a:fld id="{BF9BD7CD-A5EC-4A91-9414-95B5E69FAE09}" type="datetimeFigureOut">
               <a:rPr lang="en-001" smtClean="0"/>
-              <a:t>11/03/2022</a:t>
+              <a:t>19/03/2022</a:t>
             </a:fld>
             <a:endParaRPr lang="en-001"/>
           </a:p>
@@ -670,7 +677,7 @@
           <a:p>
             <a:fld id="{BF9BD7CD-A5EC-4A91-9414-95B5E69FAE09}" type="datetimeFigureOut">
               <a:rPr lang="en-001" smtClean="0"/>
-              <a:t>11/03/2022</a:t>
+              <a:t>19/03/2022</a:t>
             </a:fld>
             <a:endParaRPr lang="en-001"/>
           </a:p>
@@ -870,7 +877,7 @@
           <a:p>
             <a:fld id="{BF9BD7CD-A5EC-4A91-9414-95B5E69FAE09}" type="datetimeFigureOut">
               <a:rPr lang="en-001" smtClean="0"/>
-              <a:t>11/03/2022</a:t>
+              <a:t>19/03/2022</a:t>
             </a:fld>
             <a:endParaRPr lang="en-001"/>
           </a:p>
@@ -1146,7 +1153,7 @@
           <a:p>
             <a:fld id="{BF9BD7CD-A5EC-4A91-9414-95B5E69FAE09}" type="datetimeFigureOut">
               <a:rPr lang="en-001" smtClean="0"/>
-              <a:t>11/03/2022</a:t>
+              <a:t>19/03/2022</a:t>
             </a:fld>
             <a:endParaRPr lang="en-001"/>
           </a:p>
@@ -1414,7 +1421,7 @@
           <a:p>
             <a:fld id="{BF9BD7CD-A5EC-4A91-9414-95B5E69FAE09}" type="datetimeFigureOut">
               <a:rPr lang="en-001" smtClean="0"/>
-              <a:t>11/03/2022</a:t>
+              <a:t>19/03/2022</a:t>
             </a:fld>
             <a:endParaRPr lang="en-001"/>
           </a:p>
@@ -1829,7 +1836,7 @@
           <a:p>
             <a:fld id="{BF9BD7CD-A5EC-4A91-9414-95B5E69FAE09}" type="datetimeFigureOut">
               <a:rPr lang="en-001" smtClean="0"/>
-              <a:t>11/03/2022</a:t>
+              <a:t>19/03/2022</a:t>
             </a:fld>
             <a:endParaRPr lang="en-001"/>
           </a:p>
@@ -1971,7 +1978,7 @@
           <a:p>
             <a:fld id="{BF9BD7CD-A5EC-4A91-9414-95B5E69FAE09}" type="datetimeFigureOut">
               <a:rPr lang="en-001" smtClean="0"/>
-              <a:t>11/03/2022</a:t>
+              <a:t>19/03/2022</a:t>
             </a:fld>
             <a:endParaRPr lang="en-001"/>
           </a:p>
@@ -2084,7 +2091,7 @@
           <a:p>
             <a:fld id="{BF9BD7CD-A5EC-4A91-9414-95B5E69FAE09}" type="datetimeFigureOut">
               <a:rPr lang="en-001" smtClean="0"/>
-              <a:t>11/03/2022</a:t>
+              <a:t>19/03/2022</a:t>
             </a:fld>
             <a:endParaRPr lang="en-001"/>
           </a:p>
@@ -2397,7 +2404,7 @@
           <a:p>
             <a:fld id="{BF9BD7CD-A5EC-4A91-9414-95B5E69FAE09}" type="datetimeFigureOut">
               <a:rPr lang="en-001" smtClean="0"/>
-              <a:t>11/03/2022</a:t>
+              <a:t>19/03/2022</a:t>
             </a:fld>
             <a:endParaRPr lang="en-001"/>
           </a:p>
@@ -2686,7 +2693,7 @@
           <a:p>
             <a:fld id="{BF9BD7CD-A5EC-4A91-9414-95B5E69FAE09}" type="datetimeFigureOut">
               <a:rPr lang="en-001" smtClean="0"/>
-              <a:t>11/03/2022</a:t>
+              <a:t>19/03/2022</a:t>
             </a:fld>
             <a:endParaRPr lang="en-001"/>
           </a:p>
@@ -2929,7 +2936,7 @@
           <a:p>
             <a:fld id="{BF9BD7CD-A5EC-4A91-9414-95B5E69FAE09}" type="datetimeFigureOut">
               <a:rPr lang="en-001" smtClean="0"/>
-              <a:t>11/03/2022</a:t>
+              <a:t>19/03/2022</a:t>
             </a:fld>
             <a:endParaRPr lang="en-001"/>
           </a:p>
@@ -4464,6 +4471,1368 @@
 </p:sld>
 </file>
 
+<file path=ppt/slides/slide6.xml><?xml version="1.0" encoding="utf-8"?>
+<p:sld xmlns:a="http://schemas.openxmlformats.org/drawingml/2006/main" xmlns:r="http://schemas.openxmlformats.org/officeDocument/2006/relationships" xmlns:p="http://schemas.openxmlformats.org/presentationml/2006/main">
+  <p:cSld>
+    <p:spTree>
+      <p:nvGrpSpPr>
+        <p:cNvPr id="1" name=""/>
+        <p:cNvGrpSpPr/>
+        <p:nvPr/>
+      </p:nvGrpSpPr>
+      <p:grpSpPr>
+        <a:xfrm>
+          <a:off x="0" y="0"/>
+          <a:ext cx="0" cy="0"/>
+          <a:chOff x="0" y="0"/>
+          <a:chExt cx="0" cy="0"/>
+        </a:xfrm>
+      </p:grpSpPr>
+      <p:sp>
+        <p:nvSpPr>
+          <p:cNvPr id="2" name="Rectangle 1">
+            <a:extLst>
+              <a:ext uri="{FF2B5EF4-FFF2-40B4-BE49-F238E27FC236}">
+                <a16:creationId xmlns:a16="http://schemas.microsoft.com/office/drawing/2014/main" id="{D2BDFB0C-0A67-4EBB-9F8C-B7446C76C17A}"/>
+              </a:ext>
+            </a:extLst>
+          </p:cNvPr>
+          <p:cNvSpPr/>
+          <p:nvPr/>
+        </p:nvSpPr>
+        <p:spPr>
+          <a:xfrm>
+            <a:off x="-195943" y="-179614"/>
+            <a:ext cx="14205857" cy="6858000"/>
+          </a:xfrm>
+          <a:prstGeom prst="rect">
+            <a:avLst/>
+          </a:prstGeom>
+          <a:solidFill>
+            <a:schemeClr val="bg1"/>
+          </a:solidFill>
+          <a:ln>
+            <a:noFill/>
+          </a:ln>
+        </p:spPr>
+        <p:style>
+          <a:lnRef idx="2">
+            <a:schemeClr val="accent1">
+              <a:shade val="50000"/>
+            </a:schemeClr>
+          </a:lnRef>
+          <a:fillRef idx="1">
+            <a:schemeClr val="accent1"/>
+          </a:fillRef>
+          <a:effectRef idx="0">
+            <a:schemeClr val="accent1"/>
+          </a:effectRef>
+          <a:fontRef idx="minor">
+            <a:schemeClr val="lt1"/>
+          </a:fontRef>
+        </p:style>
+        <p:txBody>
+          <a:bodyPr rtlCol="0" anchor="ctr"/>
+          <a:lstStyle/>
+          <a:p>
+            <a:pPr algn="ctr"/>
+            <a:endParaRPr lang="en-001"/>
+          </a:p>
+        </p:txBody>
+      </p:sp>
+      <p:pic>
+        <p:nvPicPr>
+          <p:cNvPr id="1026" name="Picture 2" descr="No description available.">
+            <a:extLst>
+              <a:ext uri="{FF2B5EF4-FFF2-40B4-BE49-F238E27FC236}">
+                <a16:creationId xmlns:a16="http://schemas.microsoft.com/office/drawing/2014/main" id="{73DA41D1-537F-4440-819F-5705E7689BBA}"/>
+              </a:ext>
+            </a:extLst>
+          </p:cNvPr>
+          <p:cNvPicPr>
+            <a:picLocks noChangeAspect="1" noChangeArrowheads="1"/>
+          </p:cNvPicPr>
+          <p:nvPr/>
+        </p:nvPicPr>
+        <p:blipFill rotWithShape="1">
+          <a:blip r:embed="rId2">
+            <a:extLst>
+              <a:ext uri="{28A0092B-C50C-407E-A947-70E740481C1C}">
+                <a14:useLocalDpi xmlns:a14="http://schemas.microsoft.com/office/drawing/2010/main" val="0"/>
+              </a:ext>
+            </a:extLst>
+          </a:blip>
+          <a:srcRect b="5594"/>
+          <a:stretch/>
+        </p:blipFill>
+        <p:spPr bwMode="auto">
+          <a:xfrm>
+            <a:off x="0" y="0"/>
+            <a:ext cx="3339826" cy="6480000"/>
+          </a:xfrm>
+          <a:prstGeom prst="rect">
+            <a:avLst/>
+          </a:prstGeom>
+          <a:noFill/>
+          <a:effectLst>
+            <a:outerShdw blurRad="101600" dist="38100" dir="2700000" algn="tl" rotWithShape="0">
+              <a:prstClr val="black">
+                <a:alpha val="10000"/>
+              </a:prstClr>
+            </a:outerShdw>
+          </a:effectLst>
+          <a:extLst>
+            <a:ext uri="{909E8E84-426E-40DD-AFC4-6F175D3DCCD1}">
+              <a14:hiddenFill xmlns:a14="http://schemas.microsoft.com/office/drawing/2010/main">
+                <a:solidFill>
+                  <a:srgbClr val="FFFFFF"/>
+                </a:solidFill>
+              </a14:hiddenFill>
+            </a:ext>
+          </a:extLst>
+        </p:spPr>
+      </p:pic>
+      <p:pic>
+        <p:nvPicPr>
+          <p:cNvPr id="6" name="Picture 5">
+            <a:extLst>
+              <a:ext uri="{FF2B5EF4-FFF2-40B4-BE49-F238E27FC236}">
+                <a16:creationId xmlns:a16="http://schemas.microsoft.com/office/drawing/2014/main" id="{816F6F38-3231-4647-AB7A-92C0EA275EA2}"/>
+              </a:ext>
+            </a:extLst>
+          </p:cNvPr>
+          <p:cNvPicPr>
+            <a:picLocks noChangeAspect="1"/>
+          </p:cNvPicPr>
+          <p:nvPr/>
+        </p:nvPicPr>
+        <p:blipFill rotWithShape="1">
+          <a:blip r:embed="rId3"/>
+          <a:srcRect r="1240" b="6666"/>
+          <a:stretch/>
+        </p:blipFill>
+        <p:spPr>
+          <a:xfrm>
+            <a:off x="3449003" y="0"/>
+            <a:ext cx="3335518" cy="6480000"/>
+          </a:xfrm>
+          <a:prstGeom prst="rect">
+            <a:avLst/>
+          </a:prstGeom>
+          <a:effectLst>
+            <a:outerShdw blurRad="101600" dist="38100" dir="2700000" algn="tl" rotWithShape="0">
+              <a:prstClr val="black">
+                <a:alpha val="10000"/>
+              </a:prstClr>
+            </a:outerShdw>
+          </a:effectLst>
+        </p:spPr>
+      </p:pic>
+      <p:pic>
+        <p:nvPicPr>
+          <p:cNvPr id="8" name="Picture 7">
+            <a:extLst>
+              <a:ext uri="{FF2B5EF4-FFF2-40B4-BE49-F238E27FC236}">
+                <a16:creationId xmlns:a16="http://schemas.microsoft.com/office/drawing/2014/main" id="{3A67B445-B1C3-432D-9C10-EE75886A0077}"/>
+              </a:ext>
+            </a:extLst>
+          </p:cNvPr>
+          <p:cNvPicPr>
+            <a:picLocks noChangeAspect="1"/>
+          </p:cNvPicPr>
+          <p:nvPr/>
+        </p:nvPicPr>
+        <p:blipFill rotWithShape="1">
+          <a:blip r:embed="rId4"/>
+          <a:srcRect b="6283"/>
+          <a:stretch/>
+        </p:blipFill>
+        <p:spPr>
+          <a:xfrm>
+            <a:off x="6907199" y="0"/>
+            <a:ext cx="3363602" cy="6480000"/>
+          </a:xfrm>
+          <a:prstGeom prst="rect">
+            <a:avLst/>
+          </a:prstGeom>
+          <a:effectLst>
+            <a:outerShdw blurRad="101600" dist="38100" dir="2700000" algn="tl" rotWithShape="0">
+              <a:prstClr val="black">
+                <a:alpha val="10000"/>
+              </a:prstClr>
+            </a:outerShdw>
+          </a:effectLst>
+        </p:spPr>
+      </p:pic>
+      <p:pic>
+        <p:nvPicPr>
+          <p:cNvPr id="10" name="Picture 9">
+            <a:extLst>
+              <a:ext uri="{FF2B5EF4-FFF2-40B4-BE49-F238E27FC236}">
+                <a16:creationId xmlns:a16="http://schemas.microsoft.com/office/drawing/2014/main" id="{4E5F4BE1-D7A3-40E8-A6A0-A860802061B0}"/>
+              </a:ext>
+            </a:extLst>
+          </p:cNvPr>
+          <p:cNvPicPr>
+            <a:picLocks noChangeAspect="1"/>
+          </p:cNvPicPr>
+          <p:nvPr/>
+        </p:nvPicPr>
+        <p:blipFill rotWithShape="1">
+          <a:blip r:embed="rId5"/>
+          <a:srcRect b="5856"/>
+          <a:stretch/>
+        </p:blipFill>
+        <p:spPr>
+          <a:xfrm>
+            <a:off x="10400519" y="0"/>
+            <a:ext cx="3348334" cy="6480000"/>
+          </a:xfrm>
+          <a:prstGeom prst="rect">
+            <a:avLst/>
+          </a:prstGeom>
+          <a:effectLst>
+            <a:outerShdw blurRad="101600" dist="38100" dir="2700000" algn="tl" rotWithShape="0">
+              <a:prstClr val="black">
+                <a:alpha val="10000"/>
+              </a:prstClr>
+            </a:outerShdw>
+          </a:effectLst>
+        </p:spPr>
+      </p:pic>
+    </p:spTree>
+    <p:extLst>
+      <p:ext uri="{BB962C8B-B14F-4D97-AF65-F5344CB8AC3E}">
+        <p14:creationId xmlns:p14="http://schemas.microsoft.com/office/powerpoint/2010/main" val="316912890"/>
+      </p:ext>
+    </p:extLst>
+  </p:cSld>
+  <p:clrMapOvr>
+    <a:masterClrMapping/>
+  </p:clrMapOvr>
+</p:sld>
+</file>
+
+<file path=ppt/slides/slide7.xml><?xml version="1.0" encoding="utf-8"?>
+<p:sld xmlns:a="http://schemas.openxmlformats.org/drawingml/2006/main" xmlns:r="http://schemas.openxmlformats.org/officeDocument/2006/relationships" xmlns:p="http://schemas.openxmlformats.org/presentationml/2006/main">
+  <p:cSld>
+    <p:spTree>
+      <p:nvGrpSpPr>
+        <p:cNvPr id="1" name=""/>
+        <p:cNvGrpSpPr/>
+        <p:nvPr/>
+      </p:nvGrpSpPr>
+      <p:grpSpPr>
+        <a:xfrm>
+          <a:off x="0" y="0"/>
+          <a:ext cx="0" cy="0"/>
+          <a:chOff x="0" y="0"/>
+          <a:chExt cx="0" cy="0"/>
+        </a:xfrm>
+      </p:grpSpPr>
+      <p:sp>
+        <p:nvSpPr>
+          <p:cNvPr id="60" name="Rectangle 59">
+            <a:extLst>
+              <a:ext uri="{FF2B5EF4-FFF2-40B4-BE49-F238E27FC236}">
+                <a16:creationId xmlns:a16="http://schemas.microsoft.com/office/drawing/2014/main" id="{5A66D6E9-E909-4013-B77A-712CC32AF55C}"/>
+              </a:ext>
+            </a:extLst>
+          </p:cNvPr>
+          <p:cNvSpPr/>
+          <p:nvPr/>
+        </p:nvSpPr>
+        <p:spPr>
+          <a:xfrm>
+            <a:off x="457200" y="-7162800"/>
+            <a:ext cx="19507200" cy="20802600"/>
+          </a:xfrm>
+          <a:prstGeom prst="rect">
+            <a:avLst/>
+          </a:prstGeom>
+          <a:solidFill>
+            <a:schemeClr val="bg1"/>
+          </a:solidFill>
+          <a:ln>
+            <a:noFill/>
+          </a:ln>
+        </p:spPr>
+        <p:style>
+          <a:lnRef idx="2">
+            <a:schemeClr val="accent1">
+              <a:shade val="50000"/>
+            </a:schemeClr>
+          </a:lnRef>
+          <a:fillRef idx="1">
+            <a:schemeClr val="accent1"/>
+          </a:fillRef>
+          <a:effectRef idx="0">
+            <a:schemeClr val="accent1"/>
+          </a:effectRef>
+          <a:fontRef idx="minor">
+            <a:schemeClr val="lt1"/>
+          </a:fontRef>
+        </p:style>
+        <p:txBody>
+          <a:bodyPr rtlCol="0" anchor="ctr"/>
+          <a:lstStyle/>
+          <a:p>
+            <a:pPr algn="ctr"/>
+            <a:endParaRPr lang="en-001"/>
+          </a:p>
+        </p:txBody>
+      </p:sp>
+      <p:sp>
+        <p:nvSpPr>
+          <p:cNvPr id="59" name="Rectangle 58">
+            <a:extLst>
+              <a:ext uri="{FF2B5EF4-FFF2-40B4-BE49-F238E27FC236}">
+                <a16:creationId xmlns:a16="http://schemas.microsoft.com/office/drawing/2014/main" id="{C0E0BF3C-B63B-4EAD-ACF7-EE084DF13172}"/>
+              </a:ext>
+            </a:extLst>
+          </p:cNvPr>
+          <p:cNvSpPr/>
+          <p:nvPr/>
+        </p:nvSpPr>
+        <p:spPr>
+          <a:xfrm>
+            <a:off x="16228249" y="-139140"/>
+            <a:ext cx="3355200" cy="6480000"/>
+          </a:xfrm>
+          <a:prstGeom prst="rect">
+            <a:avLst/>
+          </a:prstGeom>
+          <a:solidFill>
+            <a:schemeClr val="bg1"/>
+          </a:solidFill>
+          <a:ln>
+            <a:solidFill>
+              <a:schemeClr val="bg1">
+                <a:lumMod val="95000"/>
+              </a:schemeClr>
+            </a:solidFill>
+          </a:ln>
+          <a:effectLst>
+            <a:outerShdw blurRad="101600" dist="38100" dir="2700000" algn="tl" rotWithShape="0">
+              <a:prstClr val="black">
+                <a:alpha val="10000"/>
+              </a:prstClr>
+            </a:outerShdw>
+          </a:effectLst>
+        </p:spPr>
+        <p:style>
+          <a:lnRef idx="2">
+            <a:schemeClr val="accent1">
+              <a:shade val="50000"/>
+            </a:schemeClr>
+          </a:lnRef>
+          <a:fillRef idx="1">
+            <a:schemeClr val="accent1"/>
+          </a:fillRef>
+          <a:effectRef idx="0">
+            <a:schemeClr val="accent1"/>
+          </a:effectRef>
+          <a:fontRef idx="minor">
+            <a:schemeClr val="lt1"/>
+          </a:fontRef>
+        </p:style>
+        <p:txBody>
+          <a:bodyPr rtlCol="0" anchor="ctr"/>
+          <a:lstStyle/>
+          <a:p>
+            <a:pPr algn="ctr"/>
+            <a:endParaRPr lang="en-001"/>
+          </a:p>
+        </p:txBody>
+      </p:sp>
+      <p:pic>
+        <p:nvPicPr>
+          <p:cNvPr id="4" name="Picture 2" descr="No description available.">
+            <a:extLst>
+              <a:ext uri="{FF2B5EF4-FFF2-40B4-BE49-F238E27FC236}">
+                <a16:creationId xmlns:a16="http://schemas.microsoft.com/office/drawing/2014/main" id="{491F5D4C-9DDD-498D-BBCB-EF64CF8C86E0}"/>
+              </a:ext>
+            </a:extLst>
+          </p:cNvPr>
+          <p:cNvPicPr>
+            <a:picLocks noChangeAspect="1" noChangeArrowheads="1"/>
+          </p:cNvPicPr>
+          <p:nvPr/>
+        </p:nvPicPr>
+        <p:blipFill rotWithShape="1">
+          <a:blip r:embed="rId2">
+            <a:extLst>
+              <a:ext uri="{28A0092B-C50C-407E-A947-70E740481C1C}">
+                <a14:useLocalDpi xmlns:a14="http://schemas.microsoft.com/office/drawing/2010/main" val="0"/>
+              </a:ext>
+            </a:extLst>
+          </a:blip>
+          <a:srcRect b="5594"/>
+          <a:stretch/>
+        </p:blipFill>
+        <p:spPr bwMode="auto">
+          <a:xfrm>
+            <a:off x="778450" y="0"/>
+            <a:ext cx="3339826" cy="6480000"/>
+          </a:xfrm>
+          <a:prstGeom prst="rect">
+            <a:avLst/>
+          </a:prstGeom>
+          <a:noFill/>
+          <a:ln>
+            <a:solidFill>
+              <a:schemeClr val="bg1">
+                <a:lumMod val="95000"/>
+              </a:schemeClr>
+            </a:solidFill>
+          </a:ln>
+          <a:effectLst>
+            <a:outerShdw blurRad="101600" dist="38100" dir="2700000" algn="tl" rotWithShape="0">
+              <a:prstClr val="black">
+                <a:alpha val="10000"/>
+              </a:prstClr>
+            </a:outerShdw>
+          </a:effectLst>
+          <a:extLst>
+            <a:ext uri="{909E8E84-426E-40DD-AFC4-6F175D3DCCD1}">
+              <a14:hiddenFill xmlns:a14="http://schemas.microsoft.com/office/drawing/2010/main">
+                <a:solidFill>
+                  <a:srgbClr val="FFFFFF"/>
+                </a:solidFill>
+              </a14:hiddenFill>
+            </a:ext>
+          </a:extLst>
+        </p:spPr>
+      </p:pic>
+      <p:pic>
+        <p:nvPicPr>
+          <p:cNvPr id="5" name="Picture 4">
+            <a:extLst>
+              <a:ext uri="{FF2B5EF4-FFF2-40B4-BE49-F238E27FC236}">
+                <a16:creationId xmlns:a16="http://schemas.microsoft.com/office/drawing/2014/main" id="{39BE87B0-DECD-4CE9-A73A-93274E92D2AE}"/>
+              </a:ext>
+            </a:extLst>
+          </p:cNvPr>
+          <p:cNvPicPr>
+            <a:picLocks noChangeAspect="1"/>
+          </p:cNvPicPr>
+          <p:nvPr/>
+        </p:nvPicPr>
+        <p:blipFill rotWithShape="1">
+          <a:blip r:embed="rId3"/>
+          <a:srcRect b="6743"/>
+          <a:stretch/>
+        </p:blipFill>
+        <p:spPr>
+          <a:xfrm>
+            <a:off x="4732762" y="3347644"/>
+            <a:ext cx="3380186" cy="6480000"/>
+          </a:xfrm>
+          <a:prstGeom prst="rect">
+            <a:avLst/>
+          </a:prstGeom>
+          <a:ln>
+            <a:solidFill>
+              <a:schemeClr val="bg1">
+                <a:lumMod val="95000"/>
+              </a:schemeClr>
+            </a:solidFill>
+          </a:ln>
+          <a:effectLst>
+            <a:outerShdw blurRad="101600" dist="38100" dir="2700000" algn="tl" rotWithShape="0">
+              <a:prstClr val="black">
+                <a:alpha val="10000"/>
+              </a:prstClr>
+            </a:outerShdw>
+          </a:effectLst>
+        </p:spPr>
+      </p:pic>
+      <p:pic>
+        <p:nvPicPr>
+          <p:cNvPr id="6" name="Picture 5">
+            <a:extLst>
+              <a:ext uri="{FF2B5EF4-FFF2-40B4-BE49-F238E27FC236}">
+                <a16:creationId xmlns:a16="http://schemas.microsoft.com/office/drawing/2014/main" id="{B9659A8B-1B26-43DE-A08C-AE137C5D8B00}"/>
+              </a:ext>
+            </a:extLst>
+          </p:cNvPr>
+          <p:cNvPicPr>
+            <a:picLocks noChangeAspect="1"/>
+          </p:cNvPicPr>
+          <p:nvPr/>
+        </p:nvPicPr>
+        <p:blipFill rotWithShape="1">
+          <a:blip r:embed="rId4"/>
+          <a:srcRect b="6514"/>
+          <a:stretch/>
+        </p:blipFill>
+        <p:spPr>
+          <a:xfrm>
+            <a:off x="4750216" y="-3447857"/>
+            <a:ext cx="3371874" cy="6480000"/>
+          </a:xfrm>
+          <a:prstGeom prst="rect">
+            <a:avLst/>
+          </a:prstGeom>
+          <a:ln>
+            <a:solidFill>
+              <a:schemeClr val="bg1">
+                <a:lumMod val="95000"/>
+              </a:schemeClr>
+            </a:solidFill>
+          </a:ln>
+          <a:effectLst>
+            <a:outerShdw blurRad="101600" dist="38100" dir="2700000" algn="tl" rotWithShape="0">
+              <a:prstClr val="black">
+                <a:alpha val="10000"/>
+              </a:prstClr>
+            </a:outerShdw>
+          </a:effectLst>
+        </p:spPr>
+      </p:pic>
+      <p:pic>
+        <p:nvPicPr>
+          <p:cNvPr id="7" name="Picture 6">
+            <a:extLst>
+              <a:ext uri="{FF2B5EF4-FFF2-40B4-BE49-F238E27FC236}">
+                <a16:creationId xmlns:a16="http://schemas.microsoft.com/office/drawing/2014/main" id="{7B087458-7518-4EBA-9EE3-E6614999677D}"/>
+              </a:ext>
+            </a:extLst>
+          </p:cNvPr>
+          <p:cNvPicPr>
+            <a:picLocks noChangeAspect="1"/>
+          </p:cNvPicPr>
+          <p:nvPr/>
+        </p:nvPicPr>
+        <p:blipFill rotWithShape="1">
+          <a:blip r:embed="rId5"/>
+          <a:srcRect r="1240" b="6666"/>
+          <a:stretch/>
+        </p:blipFill>
+        <p:spPr>
+          <a:xfrm>
+            <a:off x="8856482" y="0"/>
+            <a:ext cx="3335518" cy="6480000"/>
+          </a:xfrm>
+          <a:prstGeom prst="rect">
+            <a:avLst/>
+          </a:prstGeom>
+          <a:ln>
+            <a:solidFill>
+              <a:schemeClr val="bg1">
+                <a:lumMod val="95000"/>
+              </a:schemeClr>
+            </a:solidFill>
+          </a:ln>
+          <a:effectLst>
+            <a:outerShdw blurRad="101600" dist="38100" dir="2700000" algn="tl" rotWithShape="0">
+              <a:prstClr val="black">
+                <a:alpha val="10000"/>
+              </a:prstClr>
+            </a:outerShdw>
+          </a:effectLst>
+        </p:spPr>
+      </p:pic>
+      <p:pic>
+        <p:nvPicPr>
+          <p:cNvPr id="9" name="Picture 8">
+            <a:extLst>
+              <a:ext uri="{FF2B5EF4-FFF2-40B4-BE49-F238E27FC236}">
+                <a16:creationId xmlns:a16="http://schemas.microsoft.com/office/drawing/2014/main" id="{97D5FF32-1CAE-4635-8A6B-39DFB7694E6D}"/>
+              </a:ext>
+            </a:extLst>
+          </p:cNvPr>
+          <p:cNvPicPr>
+            <a:picLocks noChangeAspect="1"/>
+          </p:cNvPicPr>
+          <p:nvPr/>
+        </p:nvPicPr>
+        <p:blipFill rotWithShape="1">
+          <a:blip r:embed="rId6"/>
+          <a:srcRect b="6283"/>
+          <a:stretch/>
+        </p:blipFill>
+        <p:spPr>
+          <a:xfrm>
+            <a:off x="16127159" y="0"/>
+            <a:ext cx="3363602" cy="6480000"/>
+          </a:xfrm>
+          <a:prstGeom prst="rect">
+            <a:avLst/>
+          </a:prstGeom>
+          <a:ln>
+            <a:solidFill>
+              <a:schemeClr val="bg1">
+                <a:lumMod val="95000"/>
+              </a:schemeClr>
+            </a:solidFill>
+          </a:ln>
+          <a:effectLst>
+            <a:outerShdw blurRad="101600" dist="38100" dir="2700000" algn="tl" rotWithShape="0">
+              <a:prstClr val="black">
+                <a:alpha val="10000"/>
+              </a:prstClr>
+            </a:outerShdw>
+          </a:effectLst>
+        </p:spPr>
+      </p:pic>
+      <p:pic>
+        <p:nvPicPr>
+          <p:cNvPr id="10" name="Picture 9">
+            <a:extLst>
+              <a:ext uri="{FF2B5EF4-FFF2-40B4-BE49-F238E27FC236}">
+                <a16:creationId xmlns:a16="http://schemas.microsoft.com/office/drawing/2014/main" id="{00E7E43D-8F25-4F1D-B1D3-C91DF10165A0}"/>
+              </a:ext>
+            </a:extLst>
+          </p:cNvPr>
+          <p:cNvPicPr>
+            <a:picLocks noChangeAspect="1"/>
+          </p:cNvPicPr>
+          <p:nvPr/>
+        </p:nvPicPr>
+        <p:blipFill rotWithShape="1">
+          <a:blip r:embed="rId7"/>
+          <a:srcRect b="5856"/>
+          <a:stretch/>
+        </p:blipFill>
+        <p:spPr>
+          <a:xfrm>
+            <a:off x="12493410" y="-6848941"/>
+            <a:ext cx="3348334" cy="6480000"/>
+          </a:xfrm>
+          <a:prstGeom prst="rect">
+            <a:avLst/>
+          </a:prstGeom>
+          <a:ln>
+            <a:solidFill>
+              <a:schemeClr val="bg1">
+                <a:lumMod val="95000"/>
+              </a:schemeClr>
+            </a:solidFill>
+          </a:ln>
+          <a:effectLst>
+            <a:outerShdw blurRad="101600" dist="38100" dir="2700000" algn="tl" rotWithShape="0">
+              <a:prstClr val="black">
+                <a:alpha val="10000"/>
+              </a:prstClr>
+            </a:outerShdw>
+          </a:effectLst>
+        </p:spPr>
+      </p:pic>
+      <p:pic>
+        <p:nvPicPr>
+          <p:cNvPr id="11" name="Picture 10">
+            <a:extLst>
+              <a:ext uri="{FF2B5EF4-FFF2-40B4-BE49-F238E27FC236}">
+                <a16:creationId xmlns:a16="http://schemas.microsoft.com/office/drawing/2014/main" id="{5C5F300F-32D7-41AC-A4C3-C87CF69F62E6}"/>
+              </a:ext>
+            </a:extLst>
+          </p:cNvPr>
+          <p:cNvPicPr>
+            <a:picLocks noChangeAspect="1"/>
+          </p:cNvPicPr>
+          <p:nvPr/>
+        </p:nvPicPr>
+        <p:blipFill rotWithShape="1">
+          <a:blip r:embed="rId8"/>
+          <a:srcRect b="6605"/>
+          <a:stretch/>
+        </p:blipFill>
+        <p:spPr>
+          <a:xfrm>
+            <a:off x="12492804" y="6733694"/>
+            <a:ext cx="3375172" cy="6480000"/>
+          </a:xfrm>
+          <a:prstGeom prst="rect">
+            <a:avLst/>
+          </a:prstGeom>
+          <a:ln>
+            <a:solidFill>
+              <a:schemeClr val="bg1">
+                <a:lumMod val="95000"/>
+              </a:schemeClr>
+            </a:solidFill>
+          </a:ln>
+          <a:effectLst>
+            <a:outerShdw blurRad="101600" dist="38100" dir="2700000" algn="tl" rotWithShape="0">
+              <a:prstClr val="black">
+                <a:alpha val="10000"/>
+              </a:prstClr>
+            </a:outerShdw>
+          </a:effectLst>
+        </p:spPr>
+      </p:pic>
+      <p:cxnSp>
+        <p:nvCxnSpPr>
+          <p:cNvPr id="18" name="Connector: Elbow 17">
+            <a:extLst>
+              <a:ext uri="{FF2B5EF4-FFF2-40B4-BE49-F238E27FC236}">
+                <a16:creationId xmlns:a16="http://schemas.microsoft.com/office/drawing/2014/main" id="{98413632-4721-4274-B256-CF1C3518DAC1}"/>
+              </a:ext>
+            </a:extLst>
+          </p:cNvPr>
+          <p:cNvCxnSpPr>
+            <a:cxnSpLocks/>
+          </p:cNvCxnSpPr>
+          <p:nvPr/>
+        </p:nvCxnSpPr>
+        <p:spPr>
+          <a:xfrm flipV="1">
+            <a:off x="3368842" y="3007895"/>
+            <a:ext cx="1443790" cy="1419726"/>
+          </a:xfrm>
+          <a:prstGeom prst="bentConnector3">
+            <a:avLst>
+              <a:gd name="adj1" fmla="val 21726"/>
+            </a:avLst>
+          </a:prstGeom>
+          <a:ln w="38100">
+            <a:solidFill>
+              <a:schemeClr val="tx1">
+                <a:lumMod val="50000"/>
+                <a:lumOff val="50000"/>
+              </a:schemeClr>
+            </a:solidFill>
+            <a:tailEnd type="triangle"/>
+          </a:ln>
+        </p:spPr>
+        <p:style>
+          <a:lnRef idx="1">
+            <a:schemeClr val="accent1"/>
+          </a:lnRef>
+          <a:fillRef idx="0">
+            <a:schemeClr val="accent1"/>
+          </a:fillRef>
+          <a:effectRef idx="0">
+            <a:schemeClr val="accent1"/>
+          </a:effectRef>
+          <a:fontRef idx="minor">
+            <a:schemeClr val="tx1"/>
+          </a:fontRef>
+        </p:style>
+      </p:cxnSp>
+      <p:cxnSp>
+        <p:nvCxnSpPr>
+          <p:cNvPr id="21" name="Connector: Elbow 20">
+            <a:extLst>
+              <a:ext uri="{FF2B5EF4-FFF2-40B4-BE49-F238E27FC236}">
+                <a16:creationId xmlns:a16="http://schemas.microsoft.com/office/drawing/2014/main" id="{0D7E33A8-870E-4395-87EC-DD6E6EAEA226}"/>
+              </a:ext>
+            </a:extLst>
+          </p:cNvPr>
+          <p:cNvCxnSpPr/>
+          <p:nvPr/>
+        </p:nvCxnSpPr>
+        <p:spPr>
+          <a:xfrm>
+            <a:off x="3356811" y="4969042"/>
+            <a:ext cx="1371600" cy="1347537"/>
+          </a:xfrm>
+          <a:prstGeom prst="bentConnector3">
+            <a:avLst/>
+          </a:prstGeom>
+          <a:ln w="38100">
+            <a:solidFill>
+              <a:schemeClr val="tx1">
+                <a:lumMod val="50000"/>
+                <a:lumOff val="50000"/>
+              </a:schemeClr>
+            </a:solidFill>
+            <a:tailEnd type="triangle"/>
+          </a:ln>
+        </p:spPr>
+        <p:style>
+          <a:lnRef idx="1">
+            <a:schemeClr val="accent1"/>
+          </a:lnRef>
+          <a:fillRef idx="0">
+            <a:schemeClr val="accent1"/>
+          </a:fillRef>
+          <a:effectRef idx="0">
+            <a:schemeClr val="accent1"/>
+          </a:effectRef>
+          <a:fontRef idx="minor">
+            <a:schemeClr val="tx1"/>
+          </a:fontRef>
+        </p:style>
+      </p:cxnSp>
+      <p:cxnSp>
+        <p:nvCxnSpPr>
+          <p:cNvPr id="22" name="Connector: Elbow 21">
+            <a:extLst>
+              <a:ext uri="{FF2B5EF4-FFF2-40B4-BE49-F238E27FC236}">
+                <a16:creationId xmlns:a16="http://schemas.microsoft.com/office/drawing/2014/main" id="{847DE83D-5B31-407D-AEA0-8811013C51EB}"/>
+              </a:ext>
+            </a:extLst>
+          </p:cNvPr>
+          <p:cNvCxnSpPr>
+            <a:cxnSpLocks/>
+          </p:cNvCxnSpPr>
+          <p:nvPr/>
+        </p:nvCxnSpPr>
+        <p:spPr>
+          <a:xfrm rot="10800000" flipV="1">
+            <a:off x="3151416" y="2710545"/>
+            <a:ext cx="1600199" cy="1518555"/>
+          </a:xfrm>
+          <a:prstGeom prst="bentConnector3">
+            <a:avLst>
+              <a:gd name="adj1" fmla="val 100000"/>
+            </a:avLst>
+          </a:prstGeom>
+          <a:ln w="38100">
+            <a:solidFill>
+              <a:schemeClr val="tx1">
+                <a:lumMod val="50000"/>
+                <a:lumOff val="50000"/>
+              </a:schemeClr>
+            </a:solidFill>
+            <a:tailEnd type="triangle"/>
+          </a:ln>
+        </p:spPr>
+        <p:style>
+          <a:lnRef idx="1">
+            <a:schemeClr val="accent1"/>
+          </a:lnRef>
+          <a:fillRef idx="0">
+            <a:schemeClr val="accent1"/>
+          </a:fillRef>
+          <a:effectRef idx="0">
+            <a:schemeClr val="accent1"/>
+          </a:effectRef>
+          <a:fontRef idx="minor">
+            <a:schemeClr val="tx1"/>
+          </a:fontRef>
+        </p:style>
+      </p:cxnSp>
+      <p:cxnSp>
+        <p:nvCxnSpPr>
+          <p:cNvPr id="30" name="Connector: Elbow 29">
+            <a:extLst>
+              <a:ext uri="{FF2B5EF4-FFF2-40B4-BE49-F238E27FC236}">
+                <a16:creationId xmlns:a16="http://schemas.microsoft.com/office/drawing/2014/main" id="{465DDE17-0C5D-49C6-B751-15E85814E800}"/>
+              </a:ext>
+            </a:extLst>
+          </p:cNvPr>
+          <p:cNvCxnSpPr>
+            <a:cxnSpLocks/>
+          </p:cNvCxnSpPr>
+          <p:nvPr/>
+        </p:nvCxnSpPr>
+        <p:spPr>
+          <a:xfrm flipV="1">
+            <a:off x="7309470" y="5899759"/>
+            <a:ext cx="1521379" cy="1439790"/>
+          </a:xfrm>
+          <a:prstGeom prst="bentConnector3">
+            <a:avLst>
+              <a:gd name="adj1" fmla="val 43413"/>
+            </a:avLst>
+          </a:prstGeom>
+          <a:ln w="38100">
+            <a:solidFill>
+              <a:schemeClr val="tx1">
+                <a:lumMod val="50000"/>
+                <a:lumOff val="50000"/>
+              </a:schemeClr>
+            </a:solidFill>
+            <a:tailEnd type="triangle"/>
+          </a:ln>
+        </p:spPr>
+        <p:style>
+          <a:lnRef idx="1">
+            <a:schemeClr val="accent1"/>
+          </a:lnRef>
+          <a:fillRef idx="0">
+            <a:schemeClr val="accent1"/>
+          </a:fillRef>
+          <a:effectRef idx="0">
+            <a:schemeClr val="accent1"/>
+          </a:effectRef>
+          <a:fontRef idx="minor">
+            <a:schemeClr val="tx1"/>
+          </a:fontRef>
+        </p:style>
+      </p:cxnSp>
+      <p:cxnSp>
+        <p:nvCxnSpPr>
+          <p:cNvPr id="35" name="Connector: Elbow 34">
+            <a:extLst>
+              <a:ext uri="{FF2B5EF4-FFF2-40B4-BE49-F238E27FC236}">
+                <a16:creationId xmlns:a16="http://schemas.microsoft.com/office/drawing/2014/main" id="{D1667C0F-D8FE-4C32-B000-84265191C281}"/>
+              </a:ext>
+            </a:extLst>
+          </p:cNvPr>
+          <p:cNvCxnSpPr>
+            <a:cxnSpLocks/>
+          </p:cNvCxnSpPr>
+          <p:nvPr/>
+        </p:nvCxnSpPr>
+        <p:spPr>
+          <a:xfrm flipV="1">
+            <a:off x="11921136" y="3632548"/>
+            <a:ext cx="604891" cy="590107"/>
+          </a:xfrm>
+          <a:prstGeom prst="bentConnector3">
+            <a:avLst>
+              <a:gd name="adj1" fmla="val 62425"/>
+            </a:avLst>
+          </a:prstGeom>
+          <a:ln w="38100">
+            <a:solidFill>
+              <a:schemeClr val="tx1">
+                <a:lumMod val="50000"/>
+                <a:lumOff val="50000"/>
+              </a:schemeClr>
+            </a:solidFill>
+            <a:tailEnd type="triangle"/>
+          </a:ln>
+        </p:spPr>
+        <p:style>
+          <a:lnRef idx="1">
+            <a:schemeClr val="accent1"/>
+          </a:lnRef>
+          <a:fillRef idx="0">
+            <a:schemeClr val="accent1"/>
+          </a:fillRef>
+          <a:effectRef idx="0">
+            <a:schemeClr val="accent1"/>
+          </a:effectRef>
+          <a:fontRef idx="minor">
+            <a:schemeClr val="tx1"/>
+          </a:fontRef>
+        </p:style>
+      </p:cxnSp>
+      <p:sp>
+        <p:nvSpPr>
+          <p:cNvPr id="39" name="Freeform: Shape 38">
+            <a:extLst>
+              <a:ext uri="{FF2B5EF4-FFF2-40B4-BE49-F238E27FC236}">
+                <a16:creationId xmlns:a16="http://schemas.microsoft.com/office/drawing/2014/main" id="{E2E775C3-B8FC-422D-834E-79970872984D}"/>
+              </a:ext>
+            </a:extLst>
+          </p:cNvPr>
+          <p:cNvSpPr/>
+          <p:nvPr/>
+        </p:nvSpPr>
+        <p:spPr>
+          <a:xfrm>
+            <a:off x="9068844" y="2442575"/>
+            <a:ext cx="2855934" cy="3607496"/>
+          </a:xfrm>
+          <a:custGeom>
+            <a:avLst/>
+            <a:gdLst>
+              <a:gd name="connsiteX0" fmla="*/ 0 w 2843408"/>
+              <a:gd name="connsiteY0" fmla="*/ 0 h 3594970"/>
+              <a:gd name="connsiteX1" fmla="*/ 2843408 w 2843408"/>
+              <a:gd name="connsiteY1" fmla="*/ 0 h 3594970"/>
+              <a:gd name="connsiteX2" fmla="*/ 2843408 w 2843408"/>
+              <a:gd name="connsiteY2" fmla="*/ 2379946 h 3594970"/>
+              <a:gd name="connsiteX3" fmla="*/ 1453019 w 2843408"/>
+              <a:gd name="connsiteY3" fmla="*/ 2379946 h 3594970"/>
+              <a:gd name="connsiteX4" fmla="*/ 1453019 w 2843408"/>
+              <a:gd name="connsiteY4" fmla="*/ 3594970 h 3594970"/>
+              <a:gd name="connsiteX5" fmla="*/ 50104 w 2843408"/>
+              <a:gd name="connsiteY5" fmla="*/ 3594970 h 3594970"/>
+              <a:gd name="connsiteX6" fmla="*/ 0 w 2843408"/>
+              <a:gd name="connsiteY6" fmla="*/ 0 h 3594970"/>
+              <a:gd name="connsiteX0" fmla="*/ 37578 w 2880986"/>
+              <a:gd name="connsiteY0" fmla="*/ 0 h 3594970"/>
+              <a:gd name="connsiteX1" fmla="*/ 2880986 w 2880986"/>
+              <a:gd name="connsiteY1" fmla="*/ 0 h 3594970"/>
+              <a:gd name="connsiteX2" fmla="*/ 2880986 w 2880986"/>
+              <a:gd name="connsiteY2" fmla="*/ 2379946 h 3594970"/>
+              <a:gd name="connsiteX3" fmla="*/ 1490597 w 2880986"/>
+              <a:gd name="connsiteY3" fmla="*/ 2379946 h 3594970"/>
+              <a:gd name="connsiteX4" fmla="*/ 1490597 w 2880986"/>
+              <a:gd name="connsiteY4" fmla="*/ 3594970 h 3594970"/>
+              <a:gd name="connsiteX5" fmla="*/ 0 w 2880986"/>
+              <a:gd name="connsiteY5" fmla="*/ 3582444 h 3594970"/>
+              <a:gd name="connsiteX6" fmla="*/ 37578 w 2880986"/>
+              <a:gd name="connsiteY6" fmla="*/ 0 h 3594970"/>
+              <a:gd name="connsiteX0" fmla="*/ 0 w 2843408"/>
+              <a:gd name="connsiteY0" fmla="*/ 0 h 3607496"/>
+              <a:gd name="connsiteX1" fmla="*/ 2843408 w 2843408"/>
+              <a:gd name="connsiteY1" fmla="*/ 0 h 3607496"/>
+              <a:gd name="connsiteX2" fmla="*/ 2843408 w 2843408"/>
+              <a:gd name="connsiteY2" fmla="*/ 2379946 h 3607496"/>
+              <a:gd name="connsiteX3" fmla="*/ 1453019 w 2843408"/>
+              <a:gd name="connsiteY3" fmla="*/ 2379946 h 3607496"/>
+              <a:gd name="connsiteX4" fmla="*/ 1453019 w 2843408"/>
+              <a:gd name="connsiteY4" fmla="*/ 3594970 h 3607496"/>
+              <a:gd name="connsiteX5" fmla="*/ 25052 w 2843408"/>
+              <a:gd name="connsiteY5" fmla="*/ 3607496 h 3607496"/>
+              <a:gd name="connsiteX6" fmla="*/ 0 w 2843408"/>
+              <a:gd name="connsiteY6" fmla="*/ 0 h 3607496"/>
+              <a:gd name="connsiteX0" fmla="*/ 12526 w 2855934"/>
+              <a:gd name="connsiteY0" fmla="*/ 0 h 3607496"/>
+              <a:gd name="connsiteX1" fmla="*/ 2855934 w 2855934"/>
+              <a:gd name="connsiteY1" fmla="*/ 0 h 3607496"/>
+              <a:gd name="connsiteX2" fmla="*/ 2855934 w 2855934"/>
+              <a:gd name="connsiteY2" fmla="*/ 2379946 h 3607496"/>
+              <a:gd name="connsiteX3" fmla="*/ 1465545 w 2855934"/>
+              <a:gd name="connsiteY3" fmla="*/ 2379946 h 3607496"/>
+              <a:gd name="connsiteX4" fmla="*/ 1465545 w 2855934"/>
+              <a:gd name="connsiteY4" fmla="*/ 3594970 h 3607496"/>
+              <a:gd name="connsiteX5" fmla="*/ 0 w 2855934"/>
+              <a:gd name="connsiteY5" fmla="*/ 3607496 h 3607496"/>
+              <a:gd name="connsiteX6" fmla="*/ 12526 w 2855934"/>
+              <a:gd name="connsiteY6" fmla="*/ 0 h 3607496"/>
+            </a:gdLst>
+            <a:ahLst/>
+            <a:cxnLst>
+              <a:cxn ang="0">
+                <a:pos x="connsiteX0" y="connsiteY0"/>
+              </a:cxn>
+              <a:cxn ang="0">
+                <a:pos x="connsiteX1" y="connsiteY1"/>
+              </a:cxn>
+              <a:cxn ang="0">
+                <a:pos x="connsiteX2" y="connsiteY2"/>
+              </a:cxn>
+              <a:cxn ang="0">
+                <a:pos x="connsiteX3" y="connsiteY3"/>
+              </a:cxn>
+              <a:cxn ang="0">
+                <a:pos x="connsiteX4" y="connsiteY4"/>
+              </a:cxn>
+              <a:cxn ang="0">
+                <a:pos x="connsiteX5" y="connsiteY5"/>
+              </a:cxn>
+              <a:cxn ang="0">
+                <a:pos x="connsiteX6" y="connsiteY6"/>
+              </a:cxn>
+            </a:cxnLst>
+            <a:rect l="l" t="t" r="r" b="b"/>
+            <a:pathLst>
+              <a:path w="2855934" h="3607496">
+                <a:moveTo>
+                  <a:pt x="12526" y="0"/>
+                </a:moveTo>
+                <a:lnTo>
+                  <a:pt x="2855934" y="0"/>
+                </a:lnTo>
+                <a:lnTo>
+                  <a:pt x="2855934" y="2379946"/>
+                </a:lnTo>
+                <a:lnTo>
+                  <a:pt x="1465545" y="2379946"/>
+                </a:lnTo>
+                <a:lnTo>
+                  <a:pt x="1465545" y="3594970"/>
+                </a:lnTo>
+                <a:lnTo>
+                  <a:pt x="0" y="3607496"/>
+                </a:lnTo>
+                <a:cubicBezTo>
+                  <a:pt x="4175" y="2404997"/>
+                  <a:pt x="8351" y="1202499"/>
+                  <a:pt x="12526" y="0"/>
+                </a:cubicBezTo>
+                <a:close/>
+              </a:path>
+            </a:pathLst>
+          </a:custGeom>
+          <a:ln w="38100">
+            <a:solidFill>
+              <a:schemeClr val="accent5">
+                <a:lumMod val="60000"/>
+                <a:lumOff val="40000"/>
+              </a:schemeClr>
+            </a:solidFill>
+            <a:tailEnd type="triangle"/>
+          </a:ln>
+        </p:spPr>
+        <p:style>
+          <a:lnRef idx="1">
+            <a:schemeClr val="accent1"/>
+          </a:lnRef>
+          <a:fillRef idx="0">
+            <a:schemeClr val="accent1"/>
+          </a:fillRef>
+          <a:effectRef idx="0">
+            <a:schemeClr val="accent1"/>
+          </a:effectRef>
+          <a:fontRef idx="minor">
+            <a:schemeClr val="tx1"/>
+          </a:fontRef>
+        </p:style>
+        <p:txBody>
+          <a:bodyPr rtlCol="0" anchor="ctr"/>
+          <a:lstStyle/>
+          <a:p>
+            <a:pPr algn="ctr"/>
+            <a:endParaRPr lang="en-001"/>
+          </a:p>
+        </p:txBody>
+      </p:sp>
+      <p:cxnSp>
+        <p:nvCxnSpPr>
+          <p:cNvPr id="40" name="Connector: Elbow 39">
+            <a:extLst>
+              <a:ext uri="{FF2B5EF4-FFF2-40B4-BE49-F238E27FC236}">
+                <a16:creationId xmlns:a16="http://schemas.microsoft.com/office/drawing/2014/main" id="{56880D67-EB1C-44F5-AE49-337AC8B11AF7}"/>
+              </a:ext>
+            </a:extLst>
+          </p:cNvPr>
+          <p:cNvCxnSpPr>
+            <a:cxnSpLocks/>
+          </p:cNvCxnSpPr>
+          <p:nvPr/>
+        </p:nvCxnSpPr>
+        <p:spPr>
+          <a:xfrm rot="16200000" flipH="1">
+            <a:off x="11517682" y="6156543"/>
+            <a:ext cx="1189976" cy="701460"/>
+          </a:xfrm>
+          <a:prstGeom prst="bentConnector3">
+            <a:avLst>
+              <a:gd name="adj1" fmla="val 99474"/>
+            </a:avLst>
+          </a:prstGeom>
+          <a:ln w="38100">
+            <a:solidFill>
+              <a:schemeClr val="tx1">
+                <a:lumMod val="50000"/>
+                <a:lumOff val="50000"/>
+              </a:schemeClr>
+            </a:solidFill>
+            <a:tailEnd type="triangle"/>
+          </a:ln>
+        </p:spPr>
+        <p:style>
+          <a:lnRef idx="1">
+            <a:schemeClr val="accent1"/>
+          </a:lnRef>
+          <a:fillRef idx="0">
+            <a:schemeClr val="accent1"/>
+          </a:fillRef>
+          <a:effectRef idx="0">
+            <a:schemeClr val="accent1"/>
+          </a:effectRef>
+          <a:fontRef idx="minor">
+            <a:schemeClr val="tx1"/>
+          </a:fontRef>
+        </p:style>
+      </p:cxnSp>
+      <p:cxnSp>
+        <p:nvCxnSpPr>
+          <p:cNvPr id="53" name="Connector: Elbow 52">
+            <a:extLst>
+              <a:ext uri="{FF2B5EF4-FFF2-40B4-BE49-F238E27FC236}">
+                <a16:creationId xmlns:a16="http://schemas.microsoft.com/office/drawing/2014/main" id="{87D5F727-F8CF-4973-BA4E-592A308C2FFA}"/>
+              </a:ext>
+            </a:extLst>
+          </p:cNvPr>
+          <p:cNvCxnSpPr>
+            <a:cxnSpLocks/>
+          </p:cNvCxnSpPr>
+          <p:nvPr/>
+        </p:nvCxnSpPr>
+        <p:spPr>
+          <a:xfrm rot="5400000" flipH="1" flipV="1">
+            <a:off x="10860066" y="-1202497"/>
+            <a:ext cx="2442574" cy="764086"/>
+          </a:xfrm>
+          <a:prstGeom prst="bentConnector3">
+            <a:avLst>
+              <a:gd name="adj1" fmla="val 100769"/>
+            </a:avLst>
+          </a:prstGeom>
+          <a:ln w="38100">
+            <a:solidFill>
+              <a:schemeClr val="tx1">
+                <a:lumMod val="50000"/>
+                <a:lumOff val="50000"/>
+              </a:schemeClr>
+            </a:solidFill>
+            <a:tailEnd type="triangle"/>
+          </a:ln>
+        </p:spPr>
+        <p:style>
+          <a:lnRef idx="1">
+            <a:schemeClr val="accent1"/>
+          </a:lnRef>
+          <a:fillRef idx="0">
+            <a:schemeClr val="accent1"/>
+          </a:fillRef>
+          <a:effectRef idx="0">
+            <a:schemeClr val="accent1"/>
+          </a:effectRef>
+          <a:fontRef idx="minor">
+            <a:schemeClr val="tx1"/>
+          </a:fontRef>
+        </p:style>
+      </p:cxnSp>
+      <p:sp>
+        <p:nvSpPr>
+          <p:cNvPr id="57" name="Rectangle 56">
+            <a:extLst>
+              <a:ext uri="{FF2B5EF4-FFF2-40B4-BE49-F238E27FC236}">
+                <a16:creationId xmlns:a16="http://schemas.microsoft.com/office/drawing/2014/main" id="{23CE7DD5-9364-4025-8D7F-D2AEBD4E1624}"/>
+              </a:ext>
+            </a:extLst>
+          </p:cNvPr>
+          <p:cNvSpPr/>
+          <p:nvPr/>
+        </p:nvSpPr>
+        <p:spPr>
+          <a:xfrm>
+            <a:off x="12620130" y="-137160"/>
+            <a:ext cx="3355200" cy="6480000"/>
+          </a:xfrm>
+          <a:prstGeom prst="rect">
+            <a:avLst/>
+          </a:prstGeom>
+          <a:solidFill>
+            <a:schemeClr val="bg1"/>
+          </a:solidFill>
+          <a:ln>
+            <a:solidFill>
+              <a:schemeClr val="bg1">
+                <a:lumMod val="95000"/>
+              </a:schemeClr>
+            </a:solidFill>
+          </a:ln>
+          <a:effectLst>
+            <a:outerShdw blurRad="101600" dist="38100" dir="2700000" algn="tl" rotWithShape="0">
+              <a:prstClr val="black">
+                <a:alpha val="10000"/>
+              </a:prstClr>
+            </a:outerShdw>
+          </a:effectLst>
+        </p:spPr>
+        <p:style>
+          <a:lnRef idx="2">
+            <a:schemeClr val="accent1">
+              <a:shade val="50000"/>
+            </a:schemeClr>
+          </a:lnRef>
+          <a:fillRef idx="1">
+            <a:schemeClr val="accent1"/>
+          </a:fillRef>
+          <a:effectRef idx="0">
+            <a:schemeClr val="accent1"/>
+          </a:effectRef>
+          <a:fontRef idx="minor">
+            <a:schemeClr val="lt1"/>
+          </a:fontRef>
+        </p:style>
+        <p:txBody>
+          <a:bodyPr rtlCol="0" anchor="ctr"/>
+          <a:lstStyle/>
+          <a:p>
+            <a:pPr algn="ctr"/>
+            <a:endParaRPr lang="en-001"/>
+          </a:p>
+        </p:txBody>
+      </p:sp>
+      <p:pic>
+        <p:nvPicPr>
+          <p:cNvPr id="8" name="Picture 7">
+            <a:extLst>
+              <a:ext uri="{FF2B5EF4-FFF2-40B4-BE49-F238E27FC236}">
+                <a16:creationId xmlns:a16="http://schemas.microsoft.com/office/drawing/2014/main" id="{530A5EAD-EF57-40E7-93F0-200D7E5EC551}"/>
+              </a:ext>
+            </a:extLst>
+          </p:cNvPr>
+          <p:cNvPicPr>
+            <a:picLocks noChangeAspect="1"/>
+          </p:cNvPicPr>
+          <p:nvPr/>
+        </p:nvPicPr>
+        <p:blipFill rotWithShape="1">
+          <a:blip r:embed="rId9"/>
+          <a:srcRect b="6054"/>
+          <a:stretch/>
+        </p:blipFill>
+        <p:spPr>
+          <a:xfrm>
+            <a:off x="12504729" y="0"/>
+            <a:ext cx="3355372" cy="6480000"/>
+          </a:xfrm>
+          <a:prstGeom prst="rect">
+            <a:avLst/>
+          </a:prstGeom>
+          <a:ln>
+            <a:solidFill>
+              <a:schemeClr val="bg1">
+                <a:lumMod val="95000"/>
+              </a:schemeClr>
+            </a:solidFill>
+          </a:ln>
+          <a:effectLst>
+            <a:outerShdw blurRad="101600" dist="38100" dir="2700000" algn="tl" rotWithShape="0">
+              <a:prstClr val="black">
+                <a:alpha val="10000"/>
+              </a:prstClr>
+            </a:outerShdw>
+          </a:effectLst>
+        </p:spPr>
+      </p:pic>
+      <p:cxnSp>
+        <p:nvCxnSpPr>
+          <p:cNvPr id="50" name="Connector: Elbow 49">
+            <a:extLst>
+              <a:ext uri="{FF2B5EF4-FFF2-40B4-BE49-F238E27FC236}">
+                <a16:creationId xmlns:a16="http://schemas.microsoft.com/office/drawing/2014/main" id="{372B0C49-8C5C-4E16-8FF7-83E74B7130B1}"/>
+              </a:ext>
+            </a:extLst>
+          </p:cNvPr>
+          <p:cNvCxnSpPr>
+            <a:cxnSpLocks/>
+          </p:cNvCxnSpPr>
+          <p:nvPr/>
+        </p:nvCxnSpPr>
+        <p:spPr>
+          <a:xfrm>
+            <a:off x="15530720" y="1606802"/>
+            <a:ext cx="615329" cy="522623"/>
+          </a:xfrm>
+          <a:prstGeom prst="bentConnector3">
+            <a:avLst>
+              <a:gd name="adj1" fmla="val 33715"/>
+            </a:avLst>
+          </a:prstGeom>
+          <a:ln w="38100">
+            <a:solidFill>
+              <a:schemeClr val="tx1">
+                <a:lumMod val="50000"/>
+                <a:lumOff val="50000"/>
+              </a:schemeClr>
+            </a:solidFill>
+            <a:tailEnd type="triangle"/>
+          </a:ln>
+        </p:spPr>
+        <p:style>
+          <a:lnRef idx="1">
+            <a:schemeClr val="accent1"/>
+          </a:lnRef>
+          <a:fillRef idx="0">
+            <a:schemeClr val="accent1"/>
+          </a:fillRef>
+          <a:effectRef idx="0">
+            <a:schemeClr val="accent1"/>
+          </a:effectRef>
+          <a:fontRef idx="minor">
+            <a:schemeClr val="tx1"/>
+          </a:fontRef>
+        </p:style>
+      </p:cxnSp>
+    </p:spTree>
+    <p:extLst>
+      <p:ext uri="{BB962C8B-B14F-4D97-AF65-F5344CB8AC3E}">
+        <p14:creationId xmlns:p14="http://schemas.microsoft.com/office/powerpoint/2010/main" val="1504331346"/>
+      </p:ext>
+    </p:extLst>
+  </p:cSld>
+  <p:clrMapOvr>
+    <a:masterClrMapping/>
+  </p:clrMapOvr>
+</p:sld>
+</file>
+
 <file path=ppt/theme/theme1.xml><?xml version="1.0" encoding="utf-8"?>
 <a:theme xmlns:a="http://schemas.openxmlformats.org/drawingml/2006/main" name="Office Theme">
   <a:themeElements>

--- a/assets/New Microsoft PowerPoint Presentation.pptx
+++ b/assets/New Microsoft PowerPoint Presentation.pptx
@@ -4,6 +4,9 @@
   <p:sldMasterIdLst>
     <p:sldMasterId id="2147483648" r:id="rId1"/>
   </p:sldMasterIdLst>
+  <p:notesMasterIdLst>
+    <p:notesMasterId r:id="rId9"/>
+  </p:notesMasterIdLst>
   <p:sldIdLst>
     <p:sldId id="257" r:id="rId2"/>
     <p:sldId id="256" r:id="rId3"/>
@@ -118,6 +121,440 @@
 </p:presentation>
 </file>
 
+<file path=ppt/notesMasters/notesMaster1.xml><?xml version="1.0" encoding="utf-8"?>
+<p:notesMaster xmlns:a="http://schemas.openxmlformats.org/drawingml/2006/main" xmlns:r="http://schemas.openxmlformats.org/officeDocument/2006/relationships" xmlns:p="http://schemas.openxmlformats.org/presentationml/2006/main">
+  <p:cSld>
+    <p:bg>
+      <p:bgRef idx="1001">
+        <a:schemeClr val="bg1"/>
+      </p:bgRef>
+    </p:bg>
+    <p:spTree>
+      <p:nvGrpSpPr>
+        <p:cNvPr id="1" name=""/>
+        <p:cNvGrpSpPr/>
+        <p:nvPr/>
+      </p:nvGrpSpPr>
+      <p:grpSpPr>
+        <a:xfrm>
+          <a:off x="0" y="0"/>
+          <a:ext cx="0" cy="0"/>
+          <a:chOff x="0" y="0"/>
+          <a:chExt cx="0" cy="0"/>
+        </a:xfrm>
+      </p:grpSpPr>
+      <p:sp>
+        <p:nvSpPr>
+          <p:cNvPr id="2" name="Header Placeholder 1"/>
+          <p:cNvSpPr>
+            <a:spLocks noGrp="1"/>
+          </p:cNvSpPr>
+          <p:nvPr>
+            <p:ph type="hdr" sz="quarter"/>
+          </p:nvPr>
+        </p:nvSpPr>
+        <p:spPr>
+          <a:xfrm>
+            <a:off x="0" y="0"/>
+            <a:ext cx="2971800" cy="458788"/>
+          </a:xfrm>
+          <a:prstGeom prst="rect">
+            <a:avLst/>
+          </a:prstGeom>
+        </p:spPr>
+        <p:txBody>
+          <a:bodyPr vert="horz" lIns="91440" tIns="45720" rIns="91440" bIns="45720" rtlCol="0"/>
+          <a:lstStyle>
+            <a:lvl1pPr algn="l">
+              <a:defRPr sz="1200"/>
+            </a:lvl1pPr>
+          </a:lstStyle>
+          <a:p>
+            <a:endParaRPr lang="en-001"/>
+          </a:p>
+        </p:txBody>
+      </p:sp>
+      <p:sp>
+        <p:nvSpPr>
+          <p:cNvPr id="3" name="Date Placeholder 2"/>
+          <p:cNvSpPr>
+            <a:spLocks noGrp="1"/>
+          </p:cNvSpPr>
+          <p:nvPr>
+            <p:ph type="dt" idx="1"/>
+          </p:nvPr>
+        </p:nvSpPr>
+        <p:spPr>
+          <a:xfrm>
+            <a:off x="3884613" y="0"/>
+            <a:ext cx="2971800" cy="458788"/>
+          </a:xfrm>
+          <a:prstGeom prst="rect">
+            <a:avLst/>
+          </a:prstGeom>
+        </p:spPr>
+        <p:txBody>
+          <a:bodyPr vert="horz" lIns="91440" tIns="45720" rIns="91440" bIns="45720" rtlCol="0"/>
+          <a:lstStyle>
+            <a:lvl1pPr algn="r">
+              <a:defRPr sz="1200"/>
+            </a:lvl1pPr>
+          </a:lstStyle>
+          <a:p>
+            <a:fld id="{EC94F327-8F39-4640-B842-76A4AB97812D}" type="datetimeFigureOut">
+              <a:rPr lang="en-001" smtClean="0"/>
+              <a:t>25/03/2022</a:t>
+            </a:fld>
+            <a:endParaRPr lang="en-001"/>
+          </a:p>
+        </p:txBody>
+      </p:sp>
+      <p:sp>
+        <p:nvSpPr>
+          <p:cNvPr id="4" name="Slide Image Placeholder 3"/>
+          <p:cNvSpPr>
+            <a:spLocks noGrp="1" noRot="1" noChangeAspect="1"/>
+          </p:cNvSpPr>
+          <p:nvPr>
+            <p:ph type="sldImg" idx="2"/>
+          </p:nvPr>
+        </p:nvSpPr>
+        <p:spPr>
+          <a:xfrm>
+            <a:off x="685800" y="1143000"/>
+            <a:ext cx="5486400" cy="3086100"/>
+          </a:xfrm>
+          <a:prstGeom prst="rect">
+            <a:avLst/>
+          </a:prstGeom>
+          <a:noFill/>
+          <a:ln w="12700">
+            <a:solidFill>
+              <a:prstClr val="black"/>
+            </a:solidFill>
+          </a:ln>
+        </p:spPr>
+        <p:txBody>
+          <a:bodyPr vert="horz" lIns="91440" tIns="45720" rIns="91440" bIns="45720" rtlCol="0" anchor="ctr"/>
+          <a:lstStyle/>
+          <a:p>
+            <a:endParaRPr lang="en-001"/>
+          </a:p>
+        </p:txBody>
+      </p:sp>
+      <p:sp>
+        <p:nvSpPr>
+          <p:cNvPr id="5" name="Notes Placeholder 4"/>
+          <p:cNvSpPr>
+            <a:spLocks noGrp="1"/>
+          </p:cNvSpPr>
+          <p:nvPr>
+            <p:ph type="body" sz="quarter" idx="3"/>
+          </p:nvPr>
+        </p:nvSpPr>
+        <p:spPr>
+          <a:xfrm>
+            <a:off x="685800" y="4400550"/>
+            <a:ext cx="5486400" cy="3600450"/>
+          </a:xfrm>
+          <a:prstGeom prst="rect">
+            <a:avLst/>
+          </a:prstGeom>
+        </p:spPr>
+        <p:txBody>
+          <a:bodyPr vert="horz" lIns="91440" tIns="45720" rIns="91440" bIns="45720" rtlCol="0"/>
+          <a:lstStyle/>
+          <a:p>
+            <a:pPr lvl="0"/>
+            <a:r>
+              <a:rPr lang="en-US"/>
+              <a:t>Click to edit Master text styles</a:t>
+            </a:r>
+          </a:p>
+          <a:p>
+            <a:pPr lvl="1"/>
+            <a:r>
+              <a:rPr lang="en-US"/>
+              <a:t>Second level</a:t>
+            </a:r>
+          </a:p>
+          <a:p>
+            <a:pPr lvl="2"/>
+            <a:r>
+              <a:rPr lang="en-US"/>
+              <a:t>Third level</a:t>
+            </a:r>
+          </a:p>
+          <a:p>
+            <a:pPr lvl="3"/>
+            <a:r>
+              <a:rPr lang="en-US"/>
+              <a:t>Fourth level</a:t>
+            </a:r>
+          </a:p>
+          <a:p>
+            <a:pPr lvl="4"/>
+            <a:r>
+              <a:rPr lang="en-US"/>
+              <a:t>Fifth level</a:t>
+            </a:r>
+            <a:endParaRPr lang="en-001"/>
+          </a:p>
+        </p:txBody>
+      </p:sp>
+      <p:sp>
+        <p:nvSpPr>
+          <p:cNvPr id="6" name="Footer Placeholder 5"/>
+          <p:cNvSpPr>
+            <a:spLocks noGrp="1"/>
+          </p:cNvSpPr>
+          <p:nvPr>
+            <p:ph type="ftr" sz="quarter" idx="4"/>
+          </p:nvPr>
+        </p:nvSpPr>
+        <p:spPr>
+          <a:xfrm>
+            <a:off x="0" y="8685213"/>
+            <a:ext cx="2971800" cy="458787"/>
+          </a:xfrm>
+          <a:prstGeom prst="rect">
+            <a:avLst/>
+          </a:prstGeom>
+        </p:spPr>
+        <p:txBody>
+          <a:bodyPr vert="horz" lIns="91440" tIns="45720" rIns="91440" bIns="45720" rtlCol="0" anchor="b"/>
+          <a:lstStyle>
+            <a:lvl1pPr algn="l">
+              <a:defRPr sz="1200"/>
+            </a:lvl1pPr>
+          </a:lstStyle>
+          <a:p>
+            <a:endParaRPr lang="en-001"/>
+          </a:p>
+        </p:txBody>
+      </p:sp>
+      <p:sp>
+        <p:nvSpPr>
+          <p:cNvPr id="7" name="Slide Number Placeholder 6"/>
+          <p:cNvSpPr>
+            <a:spLocks noGrp="1"/>
+          </p:cNvSpPr>
+          <p:nvPr>
+            <p:ph type="sldNum" sz="quarter" idx="5"/>
+          </p:nvPr>
+        </p:nvSpPr>
+        <p:spPr>
+          <a:xfrm>
+            <a:off x="3884613" y="8685213"/>
+            <a:ext cx="2971800" cy="458787"/>
+          </a:xfrm>
+          <a:prstGeom prst="rect">
+            <a:avLst/>
+          </a:prstGeom>
+        </p:spPr>
+        <p:txBody>
+          <a:bodyPr vert="horz" lIns="91440" tIns="45720" rIns="91440" bIns="45720" rtlCol="0" anchor="b"/>
+          <a:lstStyle>
+            <a:lvl1pPr algn="r">
+              <a:defRPr sz="1200"/>
+            </a:lvl1pPr>
+          </a:lstStyle>
+          <a:p>
+            <a:fld id="{9B1953B6-0C88-41BE-9181-753456999505}" type="slidenum">
+              <a:rPr lang="en-001" smtClean="0"/>
+              <a:t>‹#›</a:t>
+            </a:fld>
+            <a:endParaRPr lang="en-001"/>
+          </a:p>
+        </p:txBody>
+      </p:sp>
+    </p:spTree>
+    <p:extLst>
+      <p:ext uri="{BB962C8B-B14F-4D97-AF65-F5344CB8AC3E}">
+        <p14:creationId xmlns:p14="http://schemas.microsoft.com/office/powerpoint/2010/main" val="187319375"/>
+      </p:ext>
+    </p:extLst>
+  </p:cSld>
+  <p:clrMap bg1="lt1" tx1="dk1" bg2="lt2" tx2="dk2" accent1="accent1" accent2="accent2" accent3="accent3" accent4="accent4" accent5="accent5" accent6="accent6" hlink="hlink" folHlink="folHlink"/>
+  <p:notesStyle>
+    <a:lvl1pPr marL="0" algn="l" defTabSz="914400" rtl="0" eaLnBrk="1" latinLnBrk="0" hangingPunct="1">
+      <a:defRPr sz="1200" kern="1200">
+        <a:solidFill>
+          <a:schemeClr val="tx1"/>
+        </a:solidFill>
+        <a:latin typeface="+mn-lt"/>
+        <a:ea typeface="+mn-ea"/>
+        <a:cs typeface="+mn-cs"/>
+      </a:defRPr>
+    </a:lvl1pPr>
+    <a:lvl2pPr marL="457200" algn="l" defTabSz="914400" rtl="0" eaLnBrk="1" latinLnBrk="0" hangingPunct="1">
+      <a:defRPr sz="1200" kern="1200">
+        <a:solidFill>
+          <a:schemeClr val="tx1"/>
+        </a:solidFill>
+        <a:latin typeface="+mn-lt"/>
+        <a:ea typeface="+mn-ea"/>
+        <a:cs typeface="+mn-cs"/>
+      </a:defRPr>
+    </a:lvl2pPr>
+    <a:lvl3pPr marL="914400" algn="l" defTabSz="914400" rtl="0" eaLnBrk="1" latinLnBrk="0" hangingPunct="1">
+      <a:defRPr sz="1200" kern="1200">
+        <a:solidFill>
+          <a:schemeClr val="tx1"/>
+        </a:solidFill>
+        <a:latin typeface="+mn-lt"/>
+        <a:ea typeface="+mn-ea"/>
+        <a:cs typeface="+mn-cs"/>
+      </a:defRPr>
+    </a:lvl3pPr>
+    <a:lvl4pPr marL="1371600" algn="l" defTabSz="914400" rtl="0" eaLnBrk="1" latinLnBrk="0" hangingPunct="1">
+      <a:defRPr sz="1200" kern="1200">
+        <a:solidFill>
+          <a:schemeClr val="tx1"/>
+        </a:solidFill>
+        <a:latin typeface="+mn-lt"/>
+        <a:ea typeface="+mn-ea"/>
+        <a:cs typeface="+mn-cs"/>
+      </a:defRPr>
+    </a:lvl4pPr>
+    <a:lvl5pPr marL="1828800" algn="l" defTabSz="914400" rtl="0" eaLnBrk="1" latinLnBrk="0" hangingPunct="1">
+      <a:defRPr sz="1200" kern="1200">
+        <a:solidFill>
+          <a:schemeClr val="tx1"/>
+        </a:solidFill>
+        <a:latin typeface="+mn-lt"/>
+        <a:ea typeface="+mn-ea"/>
+        <a:cs typeface="+mn-cs"/>
+      </a:defRPr>
+    </a:lvl5pPr>
+    <a:lvl6pPr marL="2286000" algn="l" defTabSz="914400" rtl="0" eaLnBrk="1" latinLnBrk="0" hangingPunct="1">
+      <a:defRPr sz="1200" kern="1200">
+        <a:solidFill>
+          <a:schemeClr val="tx1"/>
+        </a:solidFill>
+        <a:latin typeface="+mn-lt"/>
+        <a:ea typeface="+mn-ea"/>
+        <a:cs typeface="+mn-cs"/>
+      </a:defRPr>
+    </a:lvl6pPr>
+    <a:lvl7pPr marL="2743200" algn="l" defTabSz="914400" rtl="0" eaLnBrk="1" latinLnBrk="0" hangingPunct="1">
+      <a:defRPr sz="1200" kern="1200">
+        <a:solidFill>
+          <a:schemeClr val="tx1"/>
+        </a:solidFill>
+        <a:latin typeface="+mn-lt"/>
+        <a:ea typeface="+mn-ea"/>
+        <a:cs typeface="+mn-cs"/>
+      </a:defRPr>
+    </a:lvl7pPr>
+    <a:lvl8pPr marL="3200400" algn="l" defTabSz="914400" rtl="0" eaLnBrk="1" latinLnBrk="0" hangingPunct="1">
+      <a:defRPr sz="1200" kern="1200">
+        <a:solidFill>
+          <a:schemeClr val="tx1"/>
+        </a:solidFill>
+        <a:latin typeface="+mn-lt"/>
+        <a:ea typeface="+mn-ea"/>
+        <a:cs typeface="+mn-cs"/>
+      </a:defRPr>
+    </a:lvl8pPr>
+    <a:lvl9pPr marL="3657600" algn="l" defTabSz="914400" rtl="0" eaLnBrk="1" latinLnBrk="0" hangingPunct="1">
+      <a:defRPr sz="1200" kern="1200">
+        <a:solidFill>
+          <a:schemeClr val="tx1"/>
+        </a:solidFill>
+        <a:latin typeface="+mn-lt"/>
+        <a:ea typeface="+mn-ea"/>
+        <a:cs typeface="+mn-cs"/>
+      </a:defRPr>
+    </a:lvl9pPr>
+  </p:notesStyle>
+</p:notesMaster>
+</file>
+
+<file path=ppt/notesSlides/notesSlide1.xml><?xml version="1.0" encoding="utf-8"?>
+<p:notes xmlns:a="http://schemas.openxmlformats.org/drawingml/2006/main" xmlns:r="http://schemas.openxmlformats.org/officeDocument/2006/relationships" xmlns:p="http://schemas.openxmlformats.org/presentationml/2006/main">
+  <p:cSld>
+    <p:spTree>
+      <p:nvGrpSpPr>
+        <p:cNvPr id="1" name=""/>
+        <p:cNvGrpSpPr/>
+        <p:nvPr/>
+      </p:nvGrpSpPr>
+      <p:grpSpPr>
+        <a:xfrm>
+          <a:off x="0" y="0"/>
+          <a:ext cx="0" cy="0"/>
+          <a:chOff x="0" y="0"/>
+          <a:chExt cx="0" cy="0"/>
+        </a:xfrm>
+      </p:grpSpPr>
+      <p:sp>
+        <p:nvSpPr>
+          <p:cNvPr id="2" name="Slide Image Placeholder 1"/>
+          <p:cNvSpPr>
+            <a:spLocks noGrp="1" noRot="1" noChangeAspect="1"/>
+          </p:cNvSpPr>
+          <p:nvPr>
+            <p:ph type="sldImg"/>
+          </p:nvPr>
+        </p:nvSpPr>
+        <p:spPr/>
+      </p:sp>
+      <p:sp>
+        <p:nvSpPr>
+          <p:cNvPr id="3" name="Notes Placeholder 2"/>
+          <p:cNvSpPr>
+            <a:spLocks noGrp="1"/>
+          </p:cNvSpPr>
+          <p:nvPr>
+            <p:ph type="body" idx="1"/>
+          </p:nvPr>
+        </p:nvSpPr>
+        <p:spPr/>
+        <p:txBody>
+          <a:bodyPr/>
+          <a:lstStyle/>
+          <a:p>
+            <a:endParaRPr lang="en-001"/>
+          </a:p>
+        </p:txBody>
+      </p:sp>
+      <p:sp>
+        <p:nvSpPr>
+          <p:cNvPr id="4" name="Slide Number Placeholder 3"/>
+          <p:cNvSpPr>
+            <a:spLocks noGrp="1"/>
+          </p:cNvSpPr>
+          <p:nvPr>
+            <p:ph type="sldNum" sz="quarter" idx="5"/>
+          </p:nvPr>
+        </p:nvSpPr>
+        <p:spPr/>
+        <p:txBody>
+          <a:bodyPr/>
+          <a:lstStyle/>
+          <a:p>
+            <a:fld id="{9B1953B6-0C88-41BE-9181-753456999505}" type="slidenum">
+              <a:rPr lang="en-001" smtClean="0"/>
+              <a:t>7</a:t>
+            </a:fld>
+            <a:endParaRPr lang="en-001"/>
+          </a:p>
+        </p:txBody>
+      </p:sp>
+    </p:spTree>
+    <p:extLst>
+      <p:ext uri="{BB962C8B-B14F-4D97-AF65-F5344CB8AC3E}">
+        <p14:creationId xmlns:p14="http://schemas.microsoft.com/office/powerpoint/2010/main" val="781792898"/>
+      </p:ext>
+    </p:extLst>
+  </p:cSld>
+  <p:clrMapOvr>
+    <a:masterClrMapping/>
+  </p:clrMapOvr>
+</p:notes>
+</file>
+
 <file path=ppt/slideLayouts/slideLayout1.xml><?xml version="1.0" encoding="utf-8"?>
 <p:sldLayout xmlns:a="http://schemas.openxmlformats.org/drawingml/2006/main" xmlns:r="http://schemas.openxmlformats.org/officeDocument/2006/relationships" xmlns:p="http://schemas.openxmlformats.org/presentationml/2006/main" type="title" preserve="1">
   <p:cSld name="Title Slide">
@@ -267,7 +704,7 @@
           <a:p>
             <a:fld id="{BF9BD7CD-A5EC-4A91-9414-95B5E69FAE09}" type="datetimeFigureOut">
               <a:rPr lang="en-001" smtClean="0"/>
-              <a:t>19/03/2022</a:t>
+              <a:t>25/03/2022</a:t>
             </a:fld>
             <a:endParaRPr lang="en-001"/>
           </a:p>
@@ -467,7 +904,7 @@
           <a:p>
             <a:fld id="{BF9BD7CD-A5EC-4A91-9414-95B5E69FAE09}" type="datetimeFigureOut">
               <a:rPr lang="en-001" smtClean="0"/>
-              <a:t>19/03/2022</a:t>
+              <a:t>25/03/2022</a:t>
             </a:fld>
             <a:endParaRPr lang="en-001"/>
           </a:p>
@@ -677,7 +1114,7 @@
           <a:p>
             <a:fld id="{BF9BD7CD-A5EC-4A91-9414-95B5E69FAE09}" type="datetimeFigureOut">
               <a:rPr lang="en-001" smtClean="0"/>
-              <a:t>19/03/2022</a:t>
+              <a:t>25/03/2022</a:t>
             </a:fld>
             <a:endParaRPr lang="en-001"/>
           </a:p>
@@ -877,7 +1314,7 @@
           <a:p>
             <a:fld id="{BF9BD7CD-A5EC-4A91-9414-95B5E69FAE09}" type="datetimeFigureOut">
               <a:rPr lang="en-001" smtClean="0"/>
-              <a:t>19/03/2022</a:t>
+              <a:t>25/03/2022</a:t>
             </a:fld>
             <a:endParaRPr lang="en-001"/>
           </a:p>
@@ -1153,7 +1590,7 @@
           <a:p>
             <a:fld id="{BF9BD7CD-A5EC-4A91-9414-95B5E69FAE09}" type="datetimeFigureOut">
               <a:rPr lang="en-001" smtClean="0"/>
-              <a:t>19/03/2022</a:t>
+              <a:t>25/03/2022</a:t>
             </a:fld>
             <a:endParaRPr lang="en-001"/>
           </a:p>
@@ -1421,7 +1858,7 @@
           <a:p>
             <a:fld id="{BF9BD7CD-A5EC-4A91-9414-95B5E69FAE09}" type="datetimeFigureOut">
               <a:rPr lang="en-001" smtClean="0"/>
-              <a:t>19/03/2022</a:t>
+              <a:t>25/03/2022</a:t>
             </a:fld>
             <a:endParaRPr lang="en-001"/>
           </a:p>
@@ -1836,7 +2273,7 @@
           <a:p>
             <a:fld id="{BF9BD7CD-A5EC-4A91-9414-95B5E69FAE09}" type="datetimeFigureOut">
               <a:rPr lang="en-001" smtClean="0"/>
-              <a:t>19/03/2022</a:t>
+              <a:t>25/03/2022</a:t>
             </a:fld>
             <a:endParaRPr lang="en-001"/>
           </a:p>
@@ -1978,7 +2415,7 @@
           <a:p>
             <a:fld id="{BF9BD7CD-A5EC-4A91-9414-95B5E69FAE09}" type="datetimeFigureOut">
               <a:rPr lang="en-001" smtClean="0"/>
-              <a:t>19/03/2022</a:t>
+              <a:t>25/03/2022</a:t>
             </a:fld>
             <a:endParaRPr lang="en-001"/>
           </a:p>
@@ -2091,7 +2528,7 @@
           <a:p>
             <a:fld id="{BF9BD7CD-A5EC-4A91-9414-95B5E69FAE09}" type="datetimeFigureOut">
               <a:rPr lang="en-001" smtClean="0"/>
-              <a:t>19/03/2022</a:t>
+              <a:t>25/03/2022</a:t>
             </a:fld>
             <a:endParaRPr lang="en-001"/>
           </a:p>
@@ -2404,7 +2841,7 @@
           <a:p>
             <a:fld id="{BF9BD7CD-A5EC-4A91-9414-95B5E69FAE09}" type="datetimeFigureOut">
               <a:rPr lang="en-001" smtClean="0"/>
-              <a:t>19/03/2022</a:t>
+              <a:t>25/03/2022</a:t>
             </a:fld>
             <a:endParaRPr lang="en-001"/>
           </a:p>
@@ -2693,7 +3130,7 @@
           <a:p>
             <a:fld id="{BF9BD7CD-A5EC-4A91-9414-95B5E69FAE09}" type="datetimeFigureOut">
               <a:rPr lang="en-001" smtClean="0"/>
-              <a:t>19/03/2022</a:t>
+              <a:t>25/03/2022</a:t>
             </a:fld>
             <a:endParaRPr lang="en-001"/>
           </a:p>
@@ -2936,7 +3373,7 @@
           <a:p>
             <a:fld id="{BF9BD7CD-A5EC-4A91-9414-95B5E69FAE09}" type="datetimeFigureOut">
               <a:rPr lang="en-001" smtClean="0"/>
-              <a:t>19/03/2022</a:t>
+              <a:t>25/03/2022</a:t>
             </a:fld>
             <a:endParaRPr lang="en-001"/>
           </a:p>
@@ -4860,7 +5297,7 @@
           <p:nvPr/>
         </p:nvPicPr>
         <p:blipFill rotWithShape="1">
-          <a:blip r:embed="rId2">
+          <a:blip r:embed="rId3">
             <a:extLst>
               <a:ext uri="{28A0092B-C50C-407E-A947-70E740481C1C}">
                 <a14:useLocalDpi xmlns:a14="http://schemas.microsoft.com/office/drawing/2010/main" val="0"/>
@@ -4919,7 +5356,7 @@
           <p:nvPr/>
         </p:nvPicPr>
         <p:blipFill rotWithShape="1">
-          <a:blip r:embed="rId3"/>
+          <a:blip r:embed="rId4"/>
           <a:srcRect b="6743"/>
           <a:stretch/>
         </p:blipFill>
@@ -4962,7 +5399,7 @@
           <p:nvPr/>
         </p:nvPicPr>
         <p:blipFill rotWithShape="1">
-          <a:blip r:embed="rId4"/>
+          <a:blip r:embed="rId5"/>
           <a:srcRect b="6514"/>
           <a:stretch/>
         </p:blipFill>
@@ -5005,7 +5442,7 @@
           <p:nvPr/>
         </p:nvPicPr>
         <p:blipFill rotWithShape="1">
-          <a:blip r:embed="rId5"/>
+          <a:blip r:embed="rId6"/>
           <a:srcRect r="1240" b="6666"/>
           <a:stretch/>
         </p:blipFill>
@@ -5048,7 +5485,7 @@
           <p:nvPr/>
         </p:nvPicPr>
         <p:blipFill rotWithShape="1">
-          <a:blip r:embed="rId6"/>
+          <a:blip r:embed="rId7"/>
           <a:srcRect b="6283"/>
           <a:stretch/>
         </p:blipFill>
@@ -5091,7 +5528,7 @@
           <p:nvPr/>
         </p:nvPicPr>
         <p:blipFill rotWithShape="1">
-          <a:blip r:embed="rId7"/>
+          <a:blip r:embed="rId8"/>
           <a:srcRect b="5856"/>
           <a:stretch/>
         </p:blipFill>
@@ -5134,7 +5571,7 @@
           <p:nvPr/>
         </p:nvPicPr>
         <p:blipFill rotWithShape="1">
-          <a:blip r:embed="rId8"/>
+          <a:blip r:embed="rId9"/>
           <a:srcRect b="6605"/>
           <a:stretch/>
         </p:blipFill>
@@ -5730,27 +6167,33 @@
       </p:sp>
       <p:pic>
         <p:nvPicPr>
-          <p:cNvPr id="8" name="Picture 7">
-            <a:extLst>
-              <a:ext uri="{FF2B5EF4-FFF2-40B4-BE49-F238E27FC236}">
-                <a16:creationId xmlns:a16="http://schemas.microsoft.com/office/drawing/2014/main" id="{530A5EAD-EF57-40E7-93F0-200D7E5EC551}"/>
+          <p:cNvPr id="1026" name="Picture 2" descr="No description available.">
+            <a:extLst>
+              <a:ext uri="{FF2B5EF4-FFF2-40B4-BE49-F238E27FC236}">
+                <a16:creationId xmlns:a16="http://schemas.microsoft.com/office/drawing/2014/main" id="{F7A2BDD0-EA8E-45A7-95FC-D53CEC8998C8}"/>
               </a:ext>
             </a:extLst>
           </p:cNvPr>
           <p:cNvPicPr>
-            <a:picLocks noChangeAspect="1"/>
+            <a:picLocks noChangeAspect="1" noChangeArrowheads="1"/>
           </p:cNvPicPr>
           <p:nvPr/>
         </p:nvPicPr>
         <p:blipFill rotWithShape="1">
-          <a:blip r:embed="rId9"/>
-          <a:srcRect b="6054"/>
+          <a:blip r:embed="rId10">
+            <a:extLst>
+              <a:ext uri="{28A0092B-C50C-407E-A947-70E740481C1C}">
+                <a14:useLocalDpi xmlns:a14="http://schemas.microsoft.com/office/drawing/2010/main" val="0"/>
+              </a:ext>
+            </a:extLst>
+          </a:blip>
+          <a:srcRect b="5696"/>
           <a:stretch/>
         </p:blipFill>
-        <p:spPr>
-          <a:xfrm>
-            <a:off x="12504729" y="0"/>
-            <a:ext cx="3355372" cy="6480000"/>
+        <p:spPr bwMode="auto">
+          <a:xfrm>
+            <a:off x="12489868" y="0"/>
+            <a:ext cx="3343460" cy="6480000"/>
           </a:xfrm>
           <a:prstGeom prst="rect">
             <a:avLst/>
@@ -5769,6 +6212,15 @@
               </a:prstClr>
             </a:outerShdw>
           </a:effectLst>
+          <a:extLst>
+            <a:ext uri="{909E8E84-426E-40DD-AFC4-6F175D3DCCD1}">
+              <a14:hiddenFill xmlns:a14="http://schemas.microsoft.com/office/drawing/2010/main">
+                <a:solidFill>
+                  <a:srgbClr val="FFFFFF"/>
+                </a:solidFill>
+              </a14:hiddenFill>
+            </a:ext>
+          </a:extLst>
         </p:spPr>
       </p:pic>
       <p:cxnSp>
@@ -5820,6 +6272,179 @@
           </a:fontRef>
         </p:style>
       </p:cxnSp>
+      <p:pic>
+        <p:nvPicPr>
+          <p:cNvPr id="1028" name="Picture 4" descr="No description available.">
+            <a:extLst>
+              <a:ext uri="{FF2B5EF4-FFF2-40B4-BE49-F238E27FC236}">
+                <a16:creationId xmlns:a16="http://schemas.microsoft.com/office/drawing/2014/main" id="{AEAF05C8-BD64-4812-B0FC-AF5B270A2FE8}"/>
+              </a:ext>
+            </a:extLst>
+          </p:cNvPr>
+          <p:cNvPicPr>
+            <a:picLocks noChangeAspect="1" noChangeArrowheads="1"/>
+          </p:cNvPicPr>
+          <p:nvPr/>
+        </p:nvPicPr>
+        <p:blipFill rotWithShape="1">
+          <a:blip r:embed="rId11">
+            <a:extLst>
+              <a:ext uri="{28A0092B-C50C-407E-A947-70E740481C1C}">
+                <a14:useLocalDpi xmlns:a14="http://schemas.microsoft.com/office/drawing/2010/main" val="0"/>
+              </a:ext>
+            </a:extLst>
+          </a:blip>
+          <a:srcRect b="6197"/>
+          <a:stretch/>
+        </p:blipFill>
+        <p:spPr bwMode="auto">
+          <a:xfrm>
+            <a:off x="16140739" y="6721250"/>
+            <a:ext cx="3361285" cy="6480000"/>
+          </a:xfrm>
+          <a:prstGeom prst="rect">
+            <a:avLst/>
+          </a:prstGeom>
+          <a:ln>
+            <a:solidFill>
+              <a:schemeClr val="bg1">
+                <a:lumMod val="95000"/>
+              </a:schemeClr>
+            </a:solidFill>
+          </a:ln>
+          <a:effectLst>
+            <a:outerShdw blurRad="101600" dist="38100" dir="2700000" algn="tl" rotWithShape="0">
+              <a:prstClr val="black">
+                <a:alpha val="10000"/>
+              </a:prstClr>
+            </a:outerShdw>
+          </a:effectLst>
+          <a:extLst>
+            <a:ext uri="{909E8E84-426E-40DD-AFC4-6F175D3DCCD1}">
+              <a14:hiddenFill xmlns:a14="http://schemas.microsoft.com/office/drawing/2010/main">
+                <a:solidFill>
+                  <a:srgbClr val="FFFFFF"/>
+                </a:solidFill>
+              </a14:hiddenFill>
+            </a:ext>
+          </a:extLst>
+        </p:spPr>
+      </p:pic>
+      <p:cxnSp>
+        <p:nvCxnSpPr>
+          <p:cNvPr id="24" name="Connector: Elbow 23">
+            <a:extLst>
+              <a:ext uri="{FF2B5EF4-FFF2-40B4-BE49-F238E27FC236}">
+                <a16:creationId xmlns:a16="http://schemas.microsoft.com/office/drawing/2014/main" id="{82177E97-20C4-46DE-B93A-DA5AA3171040}"/>
+              </a:ext>
+            </a:extLst>
+          </p:cNvPr>
+          <p:cNvCxnSpPr>
+            <a:cxnSpLocks/>
+          </p:cNvCxnSpPr>
+          <p:nvPr/>
+        </p:nvCxnSpPr>
+        <p:spPr>
+          <a:xfrm rot="16200000" flipH="1">
+            <a:off x="17071678" y="4580628"/>
+            <a:ext cx="2587923" cy="1708027"/>
+          </a:xfrm>
+          <a:prstGeom prst="bentConnector3">
+            <a:avLst>
+              <a:gd name="adj1" fmla="val 0"/>
+            </a:avLst>
+          </a:prstGeom>
+          <a:ln w="38100">
+            <a:solidFill>
+              <a:schemeClr val="tx1">
+                <a:lumMod val="50000"/>
+                <a:lumOff val="50000"/>
+              </a:schemeClr>
+            </a:solidFill>
+            <a:tailEnd type="triangle"/>
+          </a:ln>
+        </p:spPr>
+        <p:style>
+          <a:lnRef idx="1">
+            <a:schemeClr val="accent1"/>
+          </a:lnRef>
+          <a:fillRef idx="0">
+            <a:schemeClr val="accent1"/>
+          </a:fillRef>
+          <a:effectRef idx="0">
+            <a:schemeClr val="accent1"/>
+          </a:effectRef>
+          <a:fontRef idx="minor">
+            <a:schemeClr val="tx1"/>
+          </a:fontRef>
+        </p:style>
+      </p:cxnSp>
+      <p:pic>
+        <p:nvPicPr>
+          <p:cNvPr id="36" name="Picture 35">
+            <a:extLst>
+              <a:ext uri="{FF2B5EF4-FFF2-40B4-BE49-F238E27FC236}">
+                <a16:creationId xmlns:a16="http://schemas.microsoft.com/office/drawing/2014/main" id="{4814CBD6-97F4-4A30-B9A7-50D15B3E6BC0}"/>
+              </a:ext>
+            </a:extLst>
+          </p:cNvPr>
+          <p:cNvPicPr>
+            <a:picLocks noChangeAspect="1"/>
+          </p:cNvPicPr>
+          <p:nvPr/>
+        </p:nvPicPr>
+        <p:blipFill rotWithShape="1">
+          <a:blip r:embed="rId7"/>
+          <a:srcRect l="6188" t="8117" r="31484" b="86237"/>
+          <a:stretch/>
+        </p:blipFill>
+        <p:spPr>
+          <a:xfrm>
+            <a:off x="16314233" y="7304049"/>
+            <a:ext cx="2096429" cy="390291"/>
+          </a:xfrm>
+          <a:prstGeom prst="rect">
+            <a:avLst/>
+          </a:prstGeom>
+          <a:ln>
+            <a:noFill/>
+          </a:ln>
+          <a:effectLst/>
+        </p:spPr>
+      </p:pic>
+      <p:pic>
+        <p:nvPicPr>
+          <p:cNvPr id="37" name="Picture 36">
+            <a:extLst>
+              <a:ext uri="{FF2B5EF4-FFF2-40B4-BE49-F238E27FC236}">
+                <a16:creationId xmlns:a16="http://schemas.microsoft.com/office/drawing/2014/main" id="{A5C29DA8-5056-48AF-A14B-BAA4C5B74D4E}"/>
+              </a:ext>
+            </a:extLst>
+          </p:cNvPr>
+          <p:cNvPicPr>
+            <a:picLocks noChangeAspect="1"/>
+          </p:cNvPicPr>
+          <p:nvPr/>
+        </p:nvPicPr>
+        <p:blipFill rotWithShape="1">
+          <a:blip r:embed="rId7"/>
+          <a:srcRect l="7845" t="4891" r="63864" b="91990"/>
+          <a:stretch/>
+        </p:blipFill>
+        <p:spPr>
+          <a:xfrm>
+            <a:off x="17257444" y="7060682"/>
+            <a:ext cx="951571" cy="215590"/>
+          </a:xfrm>
+          <a:prstGeom prst="rect">
+            <a:avLst/>
+          </a:prstGeom>
+          <a:ln>
+            <a:noFill/>
+          </a:ln>
+          <a:effectLst/>
+        </p:spPr>
+      </p:pic>
     </p:spTree>
     <p:extLst>
       <p:ext uri="{BB962C8B-B14F-4D97-AF65-F5344CB8AC3E}">
@@ -6126,4 +6751,299 @@
     </a:ext>
   </a:extLst>
 </a:theme>
+</file>
+
+<file path=ppt/theme/theme2.xml><?xml version="1.0" encoding="utf-8"?>
+<a:theme xmlns:a="http://schemas.openxmlformats.org/drawingml/2006/main" name="Office Theme">
+  <a:themeElements>
+    <a:clrScheme name="Office">
+      <a:dk1>
+        <a:sysClr val="windowText" lastClr="000000"/>
+      </a:dk1>
+      <a:lt1>
+        <a:sysClr val="window" lastClr="FFFFFF"/>
+      </a:lt1>
+      <a:dk2>
+        <a:srgbClr val="44546A"/>
+      </a:dk2>
+      <a:lt2>
+        <a:srgbClr val="E7E6E6"/>
+      </a:lt2>
+      <a:accent1>
+        <a:srgbClr val="4472C4"/>
+      </a:accent1>
+      <a:accent2>
+        <a:srgbClr val="ED7D31"/>
+      </a:accent2>
+      <a:accent3>
+        <a:srgbClr val="A5A5A5"/>
+      </a:accent3>
+      <a:accent4>
+        <a:srgbClr val="FFC000"/>
+      </a:accent4>
+      <a:accent5>
+        <a:srgbClr val="5B9BD5"/>
+      </a:accent5>
+      <a:accent6>
+        <a:srgbClr val="70AD47"/>
+      </a:accent6>
+      <a:hlink>
+        <a:srgbClr val="0563C1"/>
+      </a:hlink>
+      <a:folHlink>
+        <a:srgbClr val="954F72"/>
+      </a:folHlink>
+    </a:clrScheme>
+    <a:fontScheme name="Office">
+      <a:majorFont>
+        <a:latin typeface="Calibri Light" panose="020F0302020204030204"/>
+        <a:ea typeface=""/>
+        <a:cs typeface=""/>
+        <a:font script="Jpan" typeface="游ゴシック Light"/>
+        <a:font script="Hang" typeface="맑은 고딕"/>
+        <a:font script="Hans" typeface="等线 Light"/>
+        <a:font script="Hant" typeface="新細明體"/>
+        <a:font script="Arab" typeface="Times New Roman"/>
+        <a:font script="Hebr" typeface="Times New Roman"/>
+        <a:font script="Thai" typeface="Angsana New"/>
+        <a:font script="Ethi" typeface="Nyala"/>
+        <a:font script="Beng" typeface="Vrinda"/>
+        <a:font script="Gujr" typeface="Shruti"/>
+        <a:font script="Khmr" typeface="MoolBoran"/>
+        <a:font script="Knda" typeface="Tunga"/>
+        <a:font script="Guru" typeface="Raavi"/>
+        <a:font script="Cans" typeface="Euphemia"/>
+        <a:font script="Cher" typeface="Plantagenet Cherokee"/>
+        <a:font script="Yiii" typeface="Microsoft Yi Baiti"/>
+        <a:font script="Tibt" typeface="Microsoft Himalaya"/>
+        <a:font script="Thaa" typeface="MV Boli"/>
+        <a:font script="Deva" typeface="Mangal"/>
+        <a:font script="Telu" typeface="Gautami"/>
+        <a:font script="Taml" typeface="Latha"/>
+        <a:font script="Syrc" typeface="Estrangelo Edessa"/>
+        <a:font script="Orya" typeface="Kalinga"/>
+        <a:font script="Mlym" typeface="Kartika"/>
+        <a:font script="Laoo" typeface="DokChampa"/>
+        <a:font script="Sinh" typeface="Iskoola Pota"/>
+        <a:font script="Mong" typeface="Mongolian Baiti"/>
+        <a:font script="Viet" typeface="Times New Roman"/>
+        <a:font script="Uigh" typeface="Microsoft Uighur"/>
+        <a:font script="Geor" typeface="Sylfaen"/>
+        <a:font script="Armn" typeface="Arial"/>
+        <a:font script="Bugi" typeface="Leelawadee UI"/>
+        <a:font script="Bopo" typeface="Microsoft JhengHei"/>
+        <a:font script="Java" typeface="Javanese Text"/>
+        <a:font script="Lisu" typeface="Segoe UI"/>
+        <a:font script="Mymr" typeface="Myanmar Text"/>
+        <a:font script="Nkoo" typeface="Ebrima"/>
+        <a:font script="Olck" typeface="Nirmala UI"/>
+        <a:font script="Osma" typeface="Ebrima"/>
+        <a:font script="Phag" typeface="Phagspa"/>
+        <a:font script="Syrn" typeface="Estrangelo Edessa"/>
+        <a:font script="Syrj" typeface="Estrangelo Edessa"/>
+        <a:font script="Syre" typeface="Estrangelo Edessa"/>
+        <a:font script="Sora" typeface="Nirmala UI"/>
+        <a:font script="Tale" typeface="Microsoft Tai Le"/>
+        <a:font script="Talu" typeface="Microsoft New Tai Lue"/>
+        <a:font script="Tfng" typeface="Ebrima"/>
+      </a:majorFont>
+      <a:minorFont>
+        <a:latin typeface="Calibri" panose="020F0502020204030204"/>
+        <a:ea typeface=""/>
+        <a:cs typeface=""/>
+        <a:font script="Jpan" typeface="游ゴシック"/>
+        <a:font script="Hang" typeface="맑은 고딕"/>
+        <a:font script="Hans" typeface="等线"/>
+        <a:font script="Hant" typeface="新細明體"/>
+        <a:font script="Arab" typeface="Arial"/>
+        <a:font script="Hebr" typeface="Arial"/>
+        <a:font script="Thai" typeface="Cordia New"/>
+        <a:font script="Ethi" typeface="Nyala"/>
+        <a:font script="Beng" typeface="Vrinda"/>
+        <a:font script="Gujr" typeface="Shruti"/>
+        <a:font script="Khmr" typeface="DaunPenh"/>
+        <a:font script="Knda" typeface="Tunga"/>
+        <a:font script="Guru" typeface="Raavi"/>
+        <a:font script="Cans" typeface="Euphemia"/>
+        <a:font script="Cher" typeface="Plantagenet Cherokee"/>
+        <a:font script="Yiii" typeface="Microsoft Yi Baiti"/>
+        <a:font script="Tibt" typeface="Microsoft Himalaya"/>
+        <a:font script="Thaa" typeface="MV Boli"/>
+        <a:font script="Deva" typeface="Mangal"/>
+        <a:font script="Telu" typeface="Gautami"/>
+        <a:font script="Taml" typeface="Latha"/>
+        <a:font script="Syrc" typeface="Estrangelo Edessa"/>
+        <a:font script="Orya" typeface="Kalinga"/>
+        <a:font script="Mlym" typeface="Kartika"/>
+        <a:font script="Laoo" typeface="DokChampa"/>
+        <a:font script="Sinh" typeface="Iskoola Pota"/>
+        <a:font script="Mong" typeface="Mongolian Baiti"/>
+        <a:font script="Viet" typeface="Arial"/>
+        <a:font script="Uigh" typeface="Microsoft Uighur"/>
+        <a:font script="Geor" typeface="Sylfaen"/>
+        <a:font script="Armn" typeface="Arial"/>
+        <a:font script="Bugi" typeface="Leelawadee UI"/>
+        <a:font script="Bopo" typeface="Microsoft JhengHei"/>
+        <a:font script="Java" typeface="Javanese Text"/>
+        <a:font script="Lisu" typeface="Segoe UI"/>
+        <a:font script="Mymr" typeface="Myanmar Text"/>
+        <a:font script="Nkoo" typeface="Ebrima"/>
+        <a:font script="Olck" typeface="Nirmala UI"/>
+        <a:font script="Osma" typeface="Ebrima"/>
+        <a:font script="Phag" typeface="Phagspa"/>
+        <a:font script="Syrn" typeface="Estrangelo Edessa"/>
+        <a:font script="Syrj" typeface="Estrangelo Edessa"/>
+        <a:font script="Syre" typeface="Estrangelo Edessa"/>
+        <a:font script="Sora" typeface="Nirmala UI"/>
+        <a:font script="Tale" typeface="Microsoft Tai Le"/>
+        <a:font script="Talu" typeface="Microsoft New Tai Lue"/>
+        <a:font script="Tfng" typeface="Ebrima"/>
+      </a:minorFont>
+    </a:fontScheme>
+    <a:fmtScheme name="Office">
+      <a:fillStyleLst>
+        <a:solidFill>
+          <a:schemeClr val="phClr"/>
+        </a:solidFill>
+        <a:gradFill rotWithShape="1">
+          <a:gsLst>
+            <a:gs pos="0">
+              <a:schemeClr val="phClr">
+                <a:lumMod val="110000"/>
+                <a:satMod val="105000"/>
+                <a:tint val="67000"/>
+              </a:schemeClr>
+            </a:gs>
+            <a:gs pos="50000">
+              <a:schemeClr val="phClr">
+                <a:lumMod val="105000"/>
+                <a:satMod val="103000"/>
+                <a:tint val="73000"/>
+              </a:schemeClr>
+            </a:gs>
+            <a:gs pos="100000">
+              <a:schemeClr val="phClr">
+                <a:lumMod val="105000"/>
+                <a:satMod val="109000"/>
+                <a:tint val="81000"/>
+              </a:schemeClr>
+            </a:gs>
+          </a:gsLst>
+          <a:lin ang="5400000" scaled="0"/>
+        </a:gradFill>
+        <a:gradFill rotWithShape="1">
+          <a:gsLst>
+            <a:gs pos="0">
+              <a:schemeClr val="phClr">
+                <a:satMod val="103000"/>
+                <a:lumMod val="102000"/>
+                <a:tint val="94000"/>
+              </a:schemeClr>
+            </a:gs>
+            <a:gs pos="50000">
+              <a:schemeClr val="phClr">
+                <a:satMod val="110000"/>
+                <a:lumMod val="100000"/>
+                <a:shade val="100000"/>
+              </a:schemeClr>
+            </a:gs>
+            <a:gs pos="100000">
+              <a:schemeClr val="phClr">
+                <a:lumMod val="99000"/>
+                <a:satMod val="120000"/>
+                <a:shade val="78000"/>
+              </a:schemeClr>
+            </a:gs>
+          </a:gsLst>
+          <a:lin ang="5400000" scaled="0"/>
+        </a:gradFill>
+      </a:fillStyleLst>
+      <a:lnStyleLst>
+        <a:ln w="6350" cap="flat" cmpd="sng" algn="ctr">
+          <a:solidFill>
+            <a:schemeClr val="phClr"/>
+          </a:solidFill>
+          <a:prstDash val="solid"/>
+          <a:miter lim="800000"/>
+        </a:ln>
+        <a:ln w="12700" cap="flat" cmpd="sng" algn="ctr">
+          <a:solidFill>
+            <a:schemeClr val="phClr"/>
+          </a:solidFill>
+          <a:prstDash val="solid"/>
+          <a:miter lim="800000"/>
+        </a:ln>
+        <a:ln w="19050" cap="flat" cmpd="sng" algn="ctr">
+          <a:solidFill>
+            <a:schemeClr val="phClr"/>
+          </a:solidFill>
+          <a:prstDash val="solid"/>
+          <a:miter lim="800000"/>
+        </a:ln>
+      </a:lnStyleLst>
+      <a:effectStyleLst>
+        <a:effectStyle>
+          <a:effectLst/>
+        </a:effectStyle>
+        <a:effectStyle>
+          <a:effectLst/>
+        </a:effectStyle>
+        <a:effectStyle>
+          <a:effectLst>
+            <a:outerShdw blurRad="57150" dist="19050" dir="5400000" algn="ctr" rotWithShape="0">
+              <a:srgbClr val="000000">
+                <a:alpha val="63000"/>
+              </a:srgbClr>
+            </a:outerShdw>
+          </a:effectLst>
+        </a:effectStyle>
+      </a:effectStyleLst>
+      <a:bgFillStyleLst>
+        <a:solidFill>
+          <a:schemeClr val="phClr"/>
+        </a:solidFill>
+        <a:solidFill>
+          <a:schemeClr val="phClr">
+            <a:tint val="95000"/>
+            <a:satMod val="170000"/>
+          </a:schemeClr>
+        </a:solidFill>
+        <a:gradFill rotWithShape="1">
+          <a:gsLst>
+            <a:gs pos="0">
+              <a:schemeClr val="phClr">
+                <a:tint val="93000"/>
+                <a:satMod val="150000"/>
+                <a:shade val="98000"/>
+                <a:lumMod val="102000"/>
+              </a:schemeClr>
+            </a:gs>
+            <a:gs pos="50000">
+              <a:schemeClr val="phClr">
+                <a:tint val="98000"/>
+                <a:satMod val="130000"/>
+                <a:shade val="90000"/>
+                <a:lumMod val="103000"/>
+              </a:schemeClr>
+            </a:gs>
+            <a:gs pos="100000">
+              <a:schemeClr val="phClr">
+                <a:shade val="63000"/>
+                <a:satMod val="120000"/>
+              </a:schemeClr>
+            </a:gs>
+          </a:gsLst>
+          <a:lin ang="5400000" scaled="0"/>
+        </a:gradFill>
+      </a:bgFillStyleLst>
+    </a:fmtScheme>
+  </a:themeElements>
+  <a:objectDefaults/>
+  <a:extraClrSchemeLst/>
+  <a:extLst>
+    <a:ext uri="{05A4C25C-085E-4340-85A3-A5531E510DB2}">
+      <thm15:themeFamily xmlns:thm15="http://schemas.microsoft.com/office/thememl/2012/main" name="Office Theme" id="{62F939B6-93AF-4DB8-9C6B-D6C7DFDC589F}" vid="{4A3C46E8-61CC-4603-A589-7422A47A8E4A}"/>
+    </a:ext>
+  </a:extLst>
+</a:theme>
 </file>